--- a/Expo.pptx
+++ b/Expo.pptx
@@ -6,12 +6,14 @@
   </p:sldMasterIdLst>
   <p:sldIdLst>
     <p:sldId id="256" r:id="rId5"/>
-    <p:sldId id="260" r:id="rId6"/>
-    <p:sldId id="257" r:id="rId7"/>
-    <p:sldId id="258" r:id="rId8"/>
-    <p:sldId id="262" r:id="rId9"/>
-    <p:sldId id="259" r:id="rId10"/>
-    <p:sldId id="261" r:id="rId11"/>
+    <p:sldId id="263" r:id="rId6"/>
+    <p:sldId id="260" r:id="rId7"/>
+    <p:sldId id="257" r:id="rId8"/>
+    <p:sldId id="264" r:id="rId9"/>
+    <p:sldId id="258" r:id="rId10"/>
+    <p:sldId id="262" r:id="rId11"/>
+    <p:sldId id="259" r:id="rId12"/>
+    <p:sldId id="261" r:id="rId13"/>
   </p:sldIdLst>
   <p:sldSz cx="12192000" cy="6858000"/>
   <p:notesSz cx="6858000" cy="9144000"/>
@@ -110,13 +112,18 @@
       </a:defRPr>
     </a:lvl9pPr>
   </p:defaultTextStyle>
+  <p:extLst>
+    <p:ext uri="{EFAFB233-063F-42B5-8137-9DF3F51BA10A}">
+      <p15:sldGuideLst xmlns:p15="http://schemas.microsoft.com/office/powerpoint/2012/main"/>
+    </p:ext>
+  </p:extLst>
 </p:presentation>
 </file>
 
 <file path=ppt/revisionInfo.xml><?xml version="1.0" encoding="utf-8"?>
 <p1510:revInfo xmlns:a="http://schemas.openxmlformats.org/drawingml/2006/main" xmlns:r="http://schemas.openxmlformats.org/officeDocument/2006/relationships" xmlns:p1510="http://schemas.microsoft.com/office/powerpoint/2015/10/main">
   <p1510:revLst>
-    <p1510:client id="{AEC76F6B-2F65-440C-A501-4C55C4D97A0A}" v="116" dt="2022-02-12T19:26:42.342"/>
+    <p1510:client id="{AEC76F6B-2F65-440C-A501-4C55C4D97A0A}" v="130" dt="2022-02-13T01:45:17.845"/>
   </p1510:revLst>
 </p1510:revInfo>
 </file>
@@ -4512,19 +4519,32 @@
         </p:nvSpPr>
         <p:spPr>
           <a:xfrm>
-            <a:off x="1129371" y="2644662"/>
-            <a:ext cx="5518066" cy="1160214"/>
-          </a:xfrm>
-        </p:spPr>
-        <p:txBody>
-          <a:bodyPr/>
+            <a:off x="1129371" y="306195"/>
+            <a:ext cx="7549934" cy="3456336"/>
+          </a:xfrm>
+        </p:spPr>
+        <p:txBody>
+          <a:bodyPr>
+            <a:normAutofit/>
+          </a:bodyPr>
           <a:lstStyle/>
           <a:p>
-            <a:r>
-              <a:rPr lang="es-ES"/>
+            <a:pPr algn="l"/>
+            <a:r>
+              <a:rPr lang="es-ES" dirty="0"/>
               <a:t>Audio Reactive</a:t>
             </a:r>
-            <a:endParaRPr lang="es-EC"/>
+            <a:br>
+              <a:rPr lang="es-ES" dirty="0"/>
+            </a:br>
+            <a:br>
+              <a:rPr lang="es-ES" dirty="0"/>
+            </a:br>
+            <a:r>
+              <a:rPr lang="en-US" i="1" dirty="0"/>
+              <a:t>The power up of tomorrow</a:t>
+            </a:r>
+            <a:endParaRPr lang="es-EC" i="1" dirty="0"/>
           </a:p>
         </p:txBody>
       </p:sp>
@@ -4558,25 +4578,31 @@
           <a:p>
             <a:pPr algn="l"/>
             <a:r>
-              <a:rPr lang="es-ES" b="1"/>
+              <a:rPr lang="es-ES" b="1" dirty="0"/>
               <a:t>Integrantes:</a:t>
             </a:r>
           </a:p>
           <a:p>
-            <a:pPr algn="l"/>
-            <a:r>
-              <a:rPr lang="es-ES"/>
+            <a:pPr marL="285750" indent="-285750" algn="l">
+              <a:buFont typeface="Arial" panose="020B0604020202020204" pitchFamily="34" charset="0"/>
+              <a:buChar char="•"/>
+            </a:pPr>
+            <a:r>
+              <a:rPr lang="es-ES" dirty="0"/>
               <a:t>Joel Veloz</a:t>
             </a:r>
           </a:p>
           <a:p>
-            <a:pPr algn="l"/>
-            <a:r>
-              <a:rPr lang="es-ES" err="1"/>
+            <a:pPr marL="285750" indent="-285750" algn="l">
+              <a:buFont typeface="Arial" panose="020B0604020202020204" pitchFamily="34" charset="0"/>
+              <a:buChar char="•"/>
+            </a:pPr>
+            <a:r>
+              <a:rPr lang="es-ES" dirty="0" err="1"/>
               <a:t>Sevastian</a:t>
             </a:r>
             <a:r>
-              <a:rPr lang="es-ES"/>
+              <a:rPr lang="es-ES" dirty="0"/>
               <a:t> Holguín</a:t>
             </a:r>
           </a:p>
@@ -4617,7 +4643,7 @@
           <p:cNvPr id="2" name="Título 1">
             <a:extLst>
               <a:ext uri="{FF2B5EF4-FFF2-40B4-BE49-F238E27FC236}">
-                <a16:creationId xmlns:a16="http://schemas.microsoft.com/office/drawing/2014/main" id="{7F7BE6AF-59C2-4CB4-B7E5-15C86F429A8E}"/>
+                <a16:creationId xmlns:a16="http://schemas.microsoft.com/office/drawing/2014/main" id="{C24A98AB-7EF8-4326-8519-B3D9850AFF7C}"/>
               </a:ext>
             </a:extLst>
           </p:cNvPr>
@@ -4635,10 +4661,10 @@
           <a:p>
             <a:pPr algn="l"/>
             <a:r>
-              <a:rPr lang="es-ES" b="1"/>
-              <a:t>Funcionamiento</a:t>
-            </a:r>
-            <a:endParaRPr lang="es-EC" b="1"/>
+              <a:rPr lang="es-ES" dirty="0"/>
+              <a:t>Introducción</a:t>
+            </a:r>
+            <a:endParaRPr lang="es-EC" dirty="0"/>
           </a:p>
         </p:txBody>
       </p:sp>
@@ -4647,7 +4673,7 @@
           <p:cNvPr id="3" name="Marcador de contenido 2">
             <a:extLst>
               <a:ext uri="{FF2B5EF4-FFF2-40B4-BE49-F238E27FC236}">
-                <a16:creationId xmlns:a16="http://schemas.microsoft.com/office/drawing/2014/main" id="{99F7BF1F-E215-4DB8-9158-339DE9F3F450}"/>
+                <a16:creationId xmlns:a16="http://schemas.microsoft.com/office/drawing/2014/main" id="{EFCF5F31-B12A-442A-8265-C6EE4671B1F9}"/>
               </a:ext>
             </a:extLst>
           </p:cNvPr>
@@ -4660,7 +4686,7 @@
         </p:nvSpPr>
         <p:spPr>
           <a:xfrm>
-            <a:off x="2197730" y="1885285"/>
+            <a:off x="2062818" y="1585482"/>
             <a:ext cx="7796540" cy="3997828"/>
           </a:xfrm>
         </p:spPr>
@@ -4669,76 +4695,31 @@
           <a:lstStyle/>
           <a:p>
             <a:r>
-              <a:rPr lang="es-ES" sz="1800">
-                <a:effectLst/>
-                <a:latin typeface="Times New Roman" panose="02020603050405020304" pitchFamily="18" charset="0"/>
-                <a:ea typeface="Calibri" panose="020F0502020204030204" pitchFamily="34" charset="0"/>
-                <a:cs typeface="Times New Roman" panose="02020603050405020304" pitchFamily="18" charset="0"/>
-              </a:rPr>
-              <a:t>El funcionamiento de este proyecto parte de la línea de alimentación que se suministra mediante un cable USB de la PC hacia la placa de Arduino NANO, pero si se llegase a conectar una fuente externa que superen los 5V.</a:t>
-            </a:r>
-          </a:p>
-          <a:p>
-            <a:r>
-              <a:rPr lang="es-ES" sz="1800">
-                <a:latin typeface="Times New Roman" panose="02020603050405020304" pitchFamily="18" charset="0"/>
-                <a:ea typeface="Calibri" panose="020F0502020204030204" pitchFamily="34" charset="0"/>
-                <a:cs typeface="Times New Roman" panose="02020603050405020304" pitchFamily="18" charset="0"/>
-              </a:rPr>
-              <a:t>S</a:t>
-            </a:r>
-            <a:r>
-              <a:rPr lang="es-ES" sz="1800">
-                <a:effectLst/>
-                <a:latin typeface="Times New Roman" panose="02020603050405020304" pitchFamily="18" charset="0"/>
-                <a:ea typeface="Calibri" panose="020F0502020204030204" pitchFamily="34" charset="0"/>
-                <a:cs typeface="Times New Roman" panose="02020603050405020304" pitchFamily="18" charset="0"/>
-              </a:rPr>
-              <a:t>e dispondrá del modulo de detector de sonido, lo cual, esto proporcionará una señal analógica al Arduino, que podemos usar para encender inteligentemente las luces RGB.</a:t>
-            </a:r>
-            <a:r>
-              <a:rPr lang="es-ES" sz="1800">
-                <a:effectLst/>
-                <a:latin typeface="Calibri" panose="020F0502020204030204" pitchFamily="34" charset="0"/>
-                <a:ea typeface="Calibri" panose="020F0502020204030204" pitchFamily="34" charset="0"/>
-                <a:cs typeface="Times New Roman" panose="02020603050405020304" pitchFamily="18" charset="0"/>
-              </a:rPr>
-              <a:t> </a:t>
-            </a:r>
-          </a:p>
-          <a:p>
-            <a:endParaRPr lang="es-ES" sz="1800">
-              <a:latin typeface="Calibri" panose="020F0502020204030204" pitchFamily="34" charset="0"/>
-              <a:ea typeface="Calibri" panose="020F0502020204030204" pitchFamily="34" charset="0"/>
-              <a:cs typeface="Times New Roman" panose="02020603050405020304" pitchFamily="18" charset="0"/>
-            </a:endParaRPr>
-          </a:p>
-          <a:p>
-            <a:r>
-              <a:rPr lang="es-ES" sz="1800">
-                <a:effectLst/>
-                <a:latin typeface="Calibri" panose="020F0502020204030204" pitchFamily="34" charset="0"/>
-                <a:ea typeface="Calibri" panose="020F0502020204030204" pitchFamily="34" charset="0"/>
-                <a:cs typeface="Times New Roman" panose="02020603050405020304" pitchFamily="18" charset="0"/>
-              </a:rPr>
-              <a:t>Se puede </a:t>
-            </a:r>
-            <a:endParaRPr lang="es-EC" sz="1800">
-              <a:effectLst/>
-              <a:latin typeface="Calibri" panose="020F0502020204030204" pitchFamily="34" charset="0"/>
-              <a:ea typeface="Calibri" panose="020F0502020204030204" pitchFamily="34" charset="0"/>
-              <a:cs typeface="Times New Roman" panose="02020603050405020304" pitchFamily="18" charset="0"/>
-            </a:endParaRPr>
-          </a:p>
-          <a:p>
-            <a:endParaRPr lang="es-EC"/>
+              <a:rPr lang="es-EC" dirty="0"/>
+              <a:t>Dispositivo capaz de transformar las ondas sonoras a colores de luces LED a través de un Arduino Nano.</a:t>
+            </a:r>
+          </a:p>
+          <a:p>
+            <a:r>
+              <a:rPr lang="es-EC" dirty="0"/>
+              <a:t>Uso del Arduino Idle</a:t>
+            </a:r>
+          </a:p>
+          <a:p>
+            <a:r>
+              <a:rPr lang="es-EC" dirty="0"/>
+              <a:t>Simulación en Proteus</a:t>
+            </a:r>
+          </a:p>
+          <a:p>
+            <a:endParaRPr lang="es-EC" dirty="0"/>
           </a:p>
         </p:txBody>
       </p:sp>
     </p:spTree>
     <p:extLst>
       <p:ext uri="{BB962C8B-B14F-4D97-AF65-F5344CB8AC3E}">
-        <p14:creationId xmlns:p14="http://schemas.microsoft.com/office/powerpoint/2010/main" val="359442848"/>
+        <p14:creationId xmlns:p14="http://schemas.microsoft.com/office/powerpoint/2010/main" val="726558099"/>
       </p:ext>
     </p:extLst>
   </p:cSld>
@@ -4770,7 +4751,7 @@
           <p:cNvPr id="2" name="Título 1">
             <a:extLst>
               <a:ext uri="{FF2B5EF4-FFF2-40B4-BE49-F238E27FC236}">
-                <a16:creationId xmlns:a16="http://schemas.microsoft.com/office/drawing/2014/main" id="{CE2981F7-DB03-4FAC-A466-D78AE20B2744}"/>
+                <a16:creationId xmlns:a16="http://schemas.microsoft.com/office/drawing/2014/main" id="{7F7BE6AF-59C2-4CB4-B7E5-15C86F429A8E}"/>
               </a:ext>
             </a:extLst>
           </p:cNvPr>
@@ -4789,7 +4770,7 @@
             <a:pPr algn="l"/>
             <a:r>
               <a:rPr lang="es-ES" b="1"/>
-              <a:t>Materiales</a:t>
+              <a:t>Funcionamiento</a:t>
             </a:r>
             <a:endParaRPr lang="es-EC" b="1"/>
           </a:p>
@@ -4800,7 +4781,7 @@
           <p:cNvPr id="3" name="Marcador de contenido 2">
             <a:extLst>
               <a:ext uri="{FF2B5EF4-FFF2-40B4-BE49-F238E27FC236}">
-                <a16:creationId xmlns:a16="http://schemas.microsoft.com/office/drawing/2014/main" id="{2FB4D1AA-4C3D-444F-98E0-2ED6D566E8A8}"/>
+                <a16:creationId xmlns:a16="http://schemas.microsoft.com/office/drawing/2014/main" id="{99F7BF1F-E215-4DB8-9158-339DE9F3F450}"/>
               </a:ext>
             </a:extLst>
           </p:cNvPr>
@@ -4813,279 +4794,61 @@
         </p:nvSpPr>
         <p:spPr>
           <a:xfrm>
-            <a:off x="2025453" y="1956201"/>
+            <a:off x="2197730" y="1885285"/>
             <a:ext cx="7796540" cy="3997828"/>
           </a:xfrm>
         </p:spPr>
         <p:txBody>
-          <a:bodyPr>
-            <a:normAutofit fontScale="92500" lnSpcReduction="20000"/>
-          </a:bodyPr>
+          <a:bodyPr/>
           <a:lstStyle/>
           <a:p>
-            <a:pPr marL="342900" lvl="0" indent="-342900">
-              <a:lnSpc>
-                <a:spcPct val="107000"/>
-              </a:lnSpc>
-              <a:spcAft>
-                <a:spcPts val="800"/>
-              </a:spcAft>
-              <a:buFont typeface="Wingdings" panose="05000000000000000000" pitchFamily="2" charset="2"/>
-              <a:buChar char=""/>
-            </a:pPr>
-            <a:r>
-              <a:rPr lang="en-US" sz="1800" b="0">
-                <a:effectLst/>
-                <a:latin typeface="+mj-lt"/>
-                <a:ea typeface="Calibri" panose="020F0502020204030204" pitchFamily="34" charset="0"/>
-                <a:cs typeface="Times New Roman" panose="02020603050405020304" pitchFamily="18" charset="0"/>
-              </a:rPr>
-              <a:t>Breakout board for electret microphone </a:t>
-            </a:r>
-            <a:endParaRPr lang="es-EC" sz="1800" b="1">
-              <a:effectLst/>
-              <a:latin typeface="+mj-lt"/>
-              <a:ea typeface="Calibri" panose="020F0502020204030204" pitchFamily="34" charset="0"/>
-              <a:cs typeface="Times New Roman" panose="02020603050405020304" pitchFamily="18" charset="0"/>
-            </a:endParaRPr>
-          </a:p>
-          <a:p>
-            <a:pPr marL="342900" lvl="0" indent="-342900">
-              <a:lnSpc>
-                <a:spcPct val="107000"/>
-              </a:lnSpc>
-              <a:spcAft>
-                <a:spcPts val="800"/>
-              </a:spcAft>
-              <a:buFont typeface="Wingdings" panose="05000000000000000000" pitchFamily="2" charset="2"/>
-              <a:buChar char=""/>
-            </a:pPr>
-            <a:r>
-              <a:rPr lang="en-US" sz="1800" b="0" err="1">
-                <a:effectLst/>
-                <a:latin typeface="+mj-lt"/>
-                <a:ea typeface="Calibri" panose="020F0502020204030204" pitchFamily="34" charset="0"/>
-                <a:cs typeface="Times New Roman" panose="02020603050405020304" pitchFamily="18" charset="0"/>
-              </a:rPr>
-              <a:t>Circuito</a:t>
-            </a:r>
-            <a:r>
-              <a:rPr lang="en-US" sz="1800" b="0">
-                <a:effectLst/>
-                <a:latin typeface="+mj-lt"/>
+            <a:r>
+              <a:rPr lang="es-ES" sz="1800" dirty="0">
+                <a:effectLst/>
+                <a:latin typeface="Times New Roman" panose="02020603050405020304" pitchFamily="18" charset="0"/>
+                <a:ea typeface="Calibri" panose="020F0502020204030204" pitchFamily="34" charset="0"/>
+                <a:cs typeface="Times New Roman" panose="02020603050405020304" pitchFamily="18" charset="0"/>
+              </a:rPr>
+              <a:t>El funcionamiento de este proyecto parte de la línea de alimentación que se suministra mediante un cable USB de la PC hacia la placa de Arduino NANO, pero si se llegase a conectar una fuente externa que superen los 5V.</a:t>
+            </a:r>
+          </a:p>
+          <a:p>
+            <a:r>
+              <a:rPr lang="es-ES" sz="1800" dirty="0">
+                <a:latin typeface="Times New Roman" panose="02020603050405020304" pitchFamily="18" charset="0"/>
+                <a:ea typeface="Calibri" panose="020F0502020204030204" pitchFamily="34" charset="0"/>
+                <a:cs typeface="Times New Roman" panose="02020603050405020304" pitchFamily="18" charset="0"/>
+              </a:rPr>
+              <a:t>S</a:t>
+            </a:r>
+            <a:r>
+              <a:rPr lang="es-ES" sz="1800" dirty="0">
+                <a:effectLst/>
+                <a:latin typeface="Times New Roman" panose="02020603050405020304" pitchFamily="18" charset="0"/>
+                <a:ea typeface="Calibri" panose="020F0502020204030204" pitchFamily="34" charset="0"/>
+                <a:cs typeface="Times New Roman" panose="02020603050405020304" pitchFamily="18" charset="0"/>
+              </a:rPr>
+              <a:t>e dispondrá del modulo de detector de sonido, lo cual, esto proporcionará una señal analógica al Arduino, que podemos usar para encender inteligentemente las luces RGB.</a:t>
+            </a:r>
+            <a:r>
+              <a:rPr lang="es-ES" sz="1800" dirty="0">
+                <a:effectLst/>
+                <a:latin typeface="Calibri" panose="020F0502020204030204" pitchFamily="34" charset="0"/>
                 <a:ea typeface="Calibri" panose="020F0502020204030204" pitchFamily="34" charset="0"/>
                 <a:cs typeface="Times New Roman" panose="02020603050405020304" pitchFamily="18" charset="0"/>
               </a:rPr>
               <a:t> </a:t>
             </a:r>
-            <a:r>
-              <a:rPr lang="en-US" sz="1800" b="0" err="1">
-                <a:effectLst/>
-                <a:latin typeface="+mj-lt"/>
-                <a:ea typeface="Calibri" panose="020F0502020204030204" pitchFamily="34" charset="0"/>
-                <a:cs typeface="Times New Roman" panose="02020603050405020304" pitchFamily="18" charset="0"/>
-              </a:rPr>
-              <a:t>integrado</a:t>
-            </a:r>
-            <a:r>
-              <a:rPr lang="en-US" sz="1800" b="0">
-                <a:effectLst/>
-                <a:latin typeface="+mj-lt"/>
-                <a:ea typeface="Calibri" panose="020F0502020204030204" pitchFamily="34" charset="0"/>
-                <a:cs typeface="Times New Roman" panose="02020603050405020304" pitchFamily="18" charset="0"/>
-              </a:rPr>
-              <a:t> ML2596</a:t>
-            </a:r>
-            <a:endParaRPr lang="es-EC" sz="1800" b="1">
-              <a:effectLst/>
-              <a:latin typeface="+mj-lt"/>
-              <a:ea typeface="Calibri" panose="020F0502020204030204" pitchFamily="34" charset="0"/>
-              <a:cs typeface="Times New Roman" panose="02020603050405020304" pitchFamily="18" charset="0"/>
-            </a:endParaRPr>
-          </a:p>
-          <a:p>
-            <a:pPr marL="342900" lvl="0" indent="-342900">
-              <a:lnSpc>
-                <a:spcPct val="107000"/>
-              </a:lnSpc>
-              <a:spcAft>
-                <a:spcPts val="800"/>
-              </a:spcAft>
-              <a:buFont typeface="Wingdings" panose="05000000000000000000" pitchFamily="2" charset="2"/>
-              <a:buChar char=""/>
-            </a:pPr>
-            <a:r>
-              <a:rPr lang="en-US" sz="1800" b="0">
-                <a:effectLst/>
-                <a:latin typeface="+mj-lt"/>
-                <a:ea typeface="Calibri" panose="020F0502020204030204" pitchFamily="34" charset="0"/>
-                <a:cs typeface="Times New Roman" panose="02020603050405020304" pitchFamily="18" charset="0"/>
-              </a:rPr>
-              <a:t>Arduino NANO V3.0 </a:t>
-            </a:r>
-            <a:endParaRPr lang="es-EC" sz="1800" b="1">
-              <a:effectLst/>
-              <a:latin typeface="+mj-lt"/>
-              <a:ea typeface="Calibri" panose="020F0502020204030204" pitchFamily="34" charset="0"/>
-              <a:cs typeface="Times New Roman" panose="02020603050405020304" pitchFamily="18" charset="0"/>
-            </a:endParaRPr>
-          </a:p>
-          <a:p>
-            <a:pPr marL="342900" lvl="0" indent="-342900">
-              <a:lnSpc>
-                <a:spcPct val="107000"/>
-              </a:lnSpc>
-              <a:spcAft>
-                <a:spcPts val="800"/>
-              </a:spcAft>
-              <a:buFont typeface="Wingdings" panose="05000000000000000000" pitchFamily="2" charset="2"/>
-              <a:buChar char=""/>
-            </a:pPr>
-            <a:r>
-              <a:rPr lang="en-US" sz="1800" b="0" err="1">
-                <a:effectLst/>
-                <a:latin typeface="+mj-lt"/>
-                <a:ea typeface="Calibri" panose="020F0502020204030204" pitchFamily="34" charset="0"/>
-                <a:cs typeface="Times New Roman" panose="02020603050405020304" pitchFamily="18" charset="0"/>
-              </a:rPr>
-              <a:t>Cautin</a:t>
-            </a:r>
-            <a:r>
-              <a:rPr lang="en-US" sz="1800" b="0">
-                <a:effectLst/>
-                <a:latin typeface="+mj-lt"/>
-                <a:ea typeface="Calibri" panose="020F0502020204030204" pitchFamily="34" charset="0"/>
-                <a:cs typeface="Times New Roman" panose="02020603050405020304" pitchFamily="18" charset="0"/>
-              </a:rPr>
-              <a:t> </a:t>
-            </a:r>
-            <a:endParaRPr lang="es-EC" sz="1800" b="1">
-              <a:effectLst/>
-              <a:latin typeface="+mj-lt"/>
-              <a:ea typeface="Calibri" panose="020F0502020204030204" pitchFamily="34" charset="0"/>
-              <a:cs typeface="Times New Roman" panose="02020603050405020304" pitchFamily="18" charset="0"/>
-            </a:endParaRPr>
-          </a:p>
-          <a:p>
-            <a:pPr marL="342900" lvl="0" indent="-342900">
-              <a:lnSpc>
-                <a:spcPct val="107000"/>
-              </a:lnSpc>
-              <a:spcAft>
-                <a:spcPts val="800"/>
-              </a:spcAft>
-              <a:buFont typeface="Wingdings" panose="05000000000000000000" pitchFamily="2" charset="2"/>
-              <a:buChar char=""/>
-            </a:pPr>
-            <a:r>
-              <a:rPr lang="es-ES" sz="1800" b="0">
-                <a:effectLst/>
-                <a:latin typeface="+mj-lt"/>
-                <a:ea typeface="Calibri" panose="020F0502020204030204" pitchFamily="34" charset="0"/>
-                <a:cs typeface="Times New Roman" panose="02020603050405020304" pitchFamily="18" charset="0"/>
-              </a:rPr>
-              <a:t>Fuente de alimentación 5V ( o 12 voltios con un regulador de voltaje) </a:t>
-            </a:r>
-            <a:endParaRPr lang="es-EC" sz="1800" b="1">
-              <a:effectLst/>
-              <a:latin typeface="+mj-lt"/>
-              <a:ea typeface="Calibri" panose="020F0502020204030204" pitchFamily="34" charset="0"/>
-              <a:cs typeface="Times New Roman" panose="02020603050405020304" pitchFamily="18" charset="0"/>
-            </a:endParaRPr>
-          </a:p>
-          <a:p>
-            <a:pPr marL="342900" lvl="0" indent="-342900">
-              <a:lnSpc>
-                <a:spcPct val="107000"/>
-              </a:lnSpc>
-              <a:spcAft>
-                <a:spcPts val="800"/>
-              </a:spcAft>
-              <a:buFont typeface="Wingdings" panose="05000000000000000000" pitchFamily="2" charset="2"/>
-              <a:buChar char=""/>
-            </a:pPr>
-            <a:r>
-              <a:rPr lang="es-ES" sz="1800" b="0">
-                <a:effectLst/>
-                <a:latin typeface="+mj-lt"/>
-                <a:ea typeface="Calibri" panose="020F0502020204030204" pitchFamily="34" charset="0"/>
-                <a:cs typeface="Times New Roman" panose="02020603050405020304" pitchFamily="18" charset="0"/>
-              </a:rPr>
-              <a:t>Tiras Leds direccionables </a:t>
-            </a:r>
-            <a:endParaRPr lang="es-EC" sz="1800" b="1">
-              <a:effectLst/>
-              <a:latin typeface="+mj-lt"/>
-              <a:ea typeface="Calibri" panose="020F0502020204030204" pitchFamily="34" charset="0"/>
-              <a:cs typeface="Times New Roman" panose="02020603050405020304" pitchFamily="18" charset="0"/>
-            </a:endParaRPr>
-          </a:p>
-          <a:p>
-            <a:pPr marL="342900" lvl="0" indent="-342900">
-              <a:lnSpc>
-                <a:spcPct val="107000"/>
-              </a:lnSpc>
-              <a:spcAft>
-                <a:spcPts val="800"/>
-              </a:spcAft>
-              <a:buFont typeface="Wingdings" panose="05000000000000000000" pitchFamily="2" charset="2"/>
-              <a:buChar char=""/>
-            </a:pPr>
-            <a:r>
-              <a:rPr lang="es-ES" sz="1800" b="0">
-                <a:effectLst/>
-                <a:latin typeface="+mj-lt"/>
-                <a:ea typeface="Calibri" panose="020F0502020204030204" pitchFamily="34" charset="0"/>
-                <a:cs typeface="Times New Roman" panose="02020603050405020304" pitchFamily="18" charset="0"/>
-              </a:rPr>
-              <a:t>Alguna superficie que se desee colocar las tiras leds, por ejemplo, un cilindro de policloruro de vinilo (tubos de PVC).</a:t>
-            </a:r>
-            <a:endParaRPr lang="es-EC" sz="1800" b="1">
-              <a:effectLst/>
-              <a:latin typeface="+mj-lt"/>
-              <a:ea typeface="Calibri" panose="020F0502020204030204" pitchFamily="34" charset="0"/>
-              <a:cs typeface="Times New Roman" panose="02020603050405020304" pitchFamily="18" charset="0"/>
-            </a:endParaRPr>
-          </a:p>
-          <a:p>
-            <a:pPr marL="342900" lvl="0" indent="-342900">
-              <a:lnSpc>
-                <a:spcPct val="107000"/>
-              </a:lnSpc>
-              <a:spcAft>
-                <a:spcPts val="800"/>
-              </a:spcAft>
-              <a:buFont typeface="Wingdings" panose="05000000000000000000" pitchFamily="2" charset="2"/>
-              <a:buChar char=""/>
-            </a:pPr>
-            <a:r>
-              <a:rPr lang="es-ES" sz="1800" b="0">
-                <a:effectLst/>
-                <a:latin typeface="+mj-lt"/>
-                <a:ea typeface="Calibri" panose="020F0502020204030204" pitchFamily="34" charset="0"/>
-                <a:cs typeface="Times New Roman" panose="02020603050405020304" pitchFamily="18" charset="0"/>
-              </a:rPr>
-              <a:t>Silicona </a:t>
-            </a:r>
-            <a:endParaRPr lang="es-EC" sz="1800" b="1">
-              <a:effectLst/>
-              <a:latin typeface="+mj-lt"/>
-              <a:ea typeface="Calibri" panose="020F0502020204030204" pitchFamily="34" charset="0"/>
-              <a:cs typeface="Times New Roman" panose="02020603050405020304" pitchFamily="18" charset="0"/>
-            </a:endParaRPr>
-          </a:p>
-          <a:p>
-            <a:pPr marL="0" indent="0">
-              <a:buNone/>
-            </a:pPr>
-            <a:endParaRPr lang="es-EC"/>
+          </a:p>
+          <a:p>
+            <a:endParaRPr lang="es-EC" dirty="0"/>
           </a:p>
         </p:txBody>
       </p:sp>
     </p:spTree>
     <p:extLst>
       <p:ext uri="{BB962C8B-B14F-4D97-AF65-F5344CB8AC3E}">
-        <p14:creationId xmlns:p14="http://schemas.microsoft.com/office/powerpoint/2010/main" val="3386052801"/>
+        <p14:creationId xmlns:p14="http://schemas.microsoft.com/office/powerpoint/2010/main" val="359442848"/>
       </p:ext>
     </p:extLst>
   </p:cSld>
@@ -5117,6 +4880,1463 @@
           <p:cNvPr id="2" name="Título 1">
             <a:extLst>
               <a:ext uri="{FF2B5EF4-FFF2-40B4-BE49-F238E27FC236}">
+                <a16:creationId xmlns:a16="http://schemas.microsoft.com/office/drawing/2014/main" id="{CE2981F7-DB03-4FAC-A466-D78AE20B2744}"/>
+              </a:ext>
+            </a:extLst>
+          </p:cNvPr>
+          <p:cNvSpPr>
+            <a:spLocks noGrp="1"/>
+          </p:cNvSpPr>
+          <p:nvPr>
+            <p:ph type="title"/>
+          </p:nvPr>
+        </p:nvSpPr>
+        <p:spPr/>
+        <p:txBody>
+          <a:bodyPr/>
+          <a:lstStyle/>
+          <a:p>
+            <a:pPr algn="l"/>
+            <a:r>
+              <a:rPr lang="es-ES" b="1"/>
+              <a:t>Materiales</a:t>
+            </a:r>
+            <a:endParaRPr lang="es-EC" b="1"/>
+          </a:p>
+        </p:txBody>
+      </p:sp>
+      <p:sp>
+        <p:nvSpPr>
+          <p:cNvPr id="3" name="Marcador de contenido 2">
+            <a:extLst>
+              <a:ext uri="{FF2B5EF4-FFF2-40B4-BE49-F238E27FC236}">
+                <a16:creationId xmlns:a16="http://schemas.microsoft.com/office/drawing/2014/main" id="{2FB4D1AA-4C3D-444F-98E0-2ED6D566E8A8}"/>
+              </a:ext>
+            </a:extLst>
+          </p:cNvPr>
+          <p:cNvSpPr>
+            <a:spLocks noGrp="1"/>
+          </p:cNvSpPr>
+          <p:nvPr>
+            <p:ph idx="1"/>
+          </p:nvPr>
+        </p:nvSpPr>
+        <p:spPr>
+          <a:xfrm>
+            <a:off x="2025454" y="1956200"/>
+            <a:ext cx="5394678" cy="4624481"/>
+          </a:xfrm>
+        </p:spPr>
+        <p:txBody>
+          <a:bodyPr>
+            <a:normAutofit fontScale="92500" lnSpcReduction="10000"/>
+          </a:bodyPr>
+          <a:lstStyle/>
+          <a:p>
+            <a:pPr marL="342900" lvl="0" indent="-342900">
+              <a:lnSpc>
+                <a:spcPct val="107000"/>
+              </a:lnSpc>
+              <a:spcAft>
+                <a:spcPts val="800"/>
+              </a:spcAft>
+              <a:buFont typeface="Wingdings" panose="05000000000000000000" pitchFamily="2" charset="2"/>
+              <a:buChar char=""/>
+            </a:pPr>
+            <a:r>
+              <a:rPr lang="es-ES" sz="1800" dirty="0">
+                <a:latin typeface="+mj-lt"/>
+                <a:ea typeface="Calibri" panose="020F0502020204030204" pitchFamily="34" charset="0"/>
+                <a:cs typeface="Times New Roman" panose="02020603050405020304" pitchFamily="18" charset="0"/>
+              </a:rPr>
+              <a:t>Detector de sonido (</a:t>
+            </a:r>
+            <a:r>
+              <a:rPr lang="es-ES" sz="1800" dirty="0" err="1">
+                <a:latin typeface="+mj-lt"/>
+                <a:ea typeface="Calibri" panose="020F0502020204030204" pitchFamily="34" charset="0"/>
+                <a:cs typeface="Times New Roman" panose="02020603050405020304" pitchFamily="18" charset="0"/>
+              </a:rPr>
+              <a:t>microfono</a:t>
+            </a:r>
+            <a:r>
+              <a:rPr lang="es-ES" sz="1800" dirty="0">
+                <a:latin typeface="+mj-lt"/>
+                <a:ea typeface="Calibri" panose="020F0502020204030204" pitchFamily="34" charset="0"/>
+                <a:cs typeface="Times New Roman" panose="02020603050405020304" pitchFamily="18" charset="0"/>
+              </a:rPr>
+              <a:t>)</a:t>
+            </a:r>
+            <a:endParaRPr lang="es-EC" sz="1800" b="1" dirty="0">
+              <a:effectLst/>
+              <a:latin typeface="+mj-lt"/>
+              <a:ea typeface="Calibri" panose="020F0502020204030204" pitchFamily="34" charset="0"/>
+              <a:cs typeface="Times New Roman" panose="02020603050405020304" pitchFamily="18" charset="0"/>
+            </a:endParaRPr>
+          </a:p>
+          <a:p>
+            <a:pPr marL="342900" lvl="0" indent="-342900">
+              <a:lnSpc>
+                <a:spcPct val="107000"/>
+              </a:lnSpc>
+              <a:spcAft>
+                <a:spcPts val="800"/>
+              </a:spcAft>
+              <a:buFont typeface="Wingdings" panose="05000000000000000000" pitchFamily="2" charset="2"/>
+              <a:buChar char=""/>
+            </a:pPr>
+            <a:r>
+              <a:rPr lang="en-US" sz="1800" b="0" dirty="0" err="1">
+                <a:effectLst/>
+                <a:latin typeface="+mj-lt"/>
+                <a:ea typeface="Calibri" panose="020F0502020204030204" pitchFamily="34" charset="0"/>
+                <a:cs typeface="Times New Roman" panose="02020603050405020304" pitchFamily="18" charset="0"/>
+              </a:rPr>
+              <a:t>Circuito</a:t>
+            </a:r>
+            <a:r>
+              <a:rPr lang="en-US" sz="1800" b="0" dirty="0">
+                <a:effectLst/>
+                <a:latin typeface="+mj-lt"/>
+                <a:ea typeface="Calibri" panose="020F0502020204030204" pitchFamily="34" charset="0"/>
+                <a:cs typeface="Times New Roman" panose="02020603050405020304" pitchFamily="18" charset="0"/>
+              </a:rPr>
+              <a:t> </a:t>
+            </a:r>
+            <a:r>
+              <a:rPr lang="en-US" sz="1800" b="0" dirty="0" err="1">
+                <a:effectLst/>
+                <a:latin typeface="+mj-lt"/>
+                <a:ea typeface="Calibri" panose="020F0502020204030204" pitchFamily="34" charset="0"/>
+                <a:cs typeface="Times New Roman" panose="02020603050405020304" pitchFamily="18" charset="0"/>
+              </a:rPr>
+              <a:t>integrado</a:t>
+            </a:r>
+            <a:r>
+              <a:rPr lang="en-US" sz="1800" b="0" dirty="0">
+                <a:effectLst/>
+                <a:latin typeface="+mj-lt"/>
+                <a:ea typeface="Calibri" panose="020F0502020204030204" pitchFamily="34" charset="0"/>
+                <a:cs typeface="Times New Roman" panose="02020603050405020304" pitchFamily="18" charset="0"/>
+              </a:rPr>
+              <a:t> ML2596</a:t>
+            </a:r>
+            <a:endParaRPr lang="es-EC" sz="1800" b="1" dirty="0">
+              <a:effectLst/>
+              <a:latin typeface="+mj-lt"/>
+              <a:ea typeface="Calibri" panose="020F0502020204030204" pitchFamily="34" charset="0"/>
+              <a:cs typeface="Times New Roman" panose="02020603050405020304" pitchFamily="18" charset="0"/>
+            </a:endParaRPr>
+          </a:p>
+          <a:p>
+            <a:pPr marL="342900" lvl="0" indent="-342900">
+              <a:lnSpc>
+                <a:spcPct val="107000"/>
+              </a:lnSpc>
+              <a:spcAft>
+                <a:spcPts val="800"/>
+              </a:spcAft>
+              <a:buFont typeface="Wingdings" panose="05000000000000000000" pitchFamily="2" charset="2"/>
+              <a:buChar char=""/>
+            </a:pPr>
+            <a:r>
+              <a:rPr lang="en-US" sz="1800" b="0" dirty="0">
+                <a:effectLst/>
+                <a:latin typeface="+mj-lt"/>
+                <a:ea typeface="Calibri" panose="020F0502020204030204" pitchFamily="34" charset="0"/>
+                <a:cs typeface="Times New Roman" panose="02020603050405020304" pitchFamily="18" charset="0"/>
+              </a:rPr>
+              <a:t>Arduino NANO V3.0</a:t>
+            </a:r>
+          </a:p>
+          <a:p>
+            <a:pPr marL="342900" lvl="0" indent="-342900">
+              <a:lnSpc>
+                <a:spcPct val="107000"/>
+              </a:lnSpc>
+              <a:spcAft>
+                <a:spcPts val="800"/>
+              </a:spcAft>
+              <a:buFont typeface="Wingdings" panose="05000000000000000000" pitchFamily="2" charset="2"/>
+              <a:buChar char=""/>
+            </a:pPr>
+            <a:r>
+              <a:rPr lang="en-US" sz="1800" b="0" dirty="0" err="1">
+                <a:effectLst/>
+                <a:latin typeface="+mj-lt"/>
+                <a:ea typeface="Calibri" panose="020F0502020204030204" pitchFamily="34" charset="0"/>
+                <a:cs typeface="Times New Roman" panose="02020603050405020304" pitchFamily="18" charset="0"/>
+              </a:rPr>
+              <a:t>Cautin</a:t>
+            </a:r>
+            <a:endParaRPr lang="es-EC" sz="1800" b="1" dirty="0">
+              <a:effectLst/>
+              <a:latin typeface="+mj-lt"/>
+              <a:ea typeface="Calibri" panose="020F0502020204030204" pitchFamily="34" charset="0"/>
+              <a:cs typeface="Times New Roman" panose="02020603050405020304" pitchFamily="18" charset="0"/>
+            </a:endParaRPr>
+          </a:p>
+          <a:p>
+            <a:pPr marL="342900" lvl="0" indent="-342900">
+              <a:lnSpc>
+                <a:spcPct val="107000"/>
+              </a:lnSpc>
+              <a:spcAft>
+                <a:spcPts val="800"/>
+              </a:spcAft>
+              <a:buFont typeface="Wingdings" panose="05000000000000000000" pitchFamily="2" charset="2"/>
+              <a:buChar char=""/>
+            </a:pPr>
+            <a:r>
+              <a:rPr lang="es-ES" sz="1800" b="0" dirty="0">
+                <a:effectLst/>
+                <a:latin typeface="+mj-lt"/>
+                <a:ea typeface="Calibri" panose="020F0502020204030204" pitchFamily="34" charset="0"/>
+                <a:cs typeface="Times New Roman" panose="02020603050405020304" pitchFamily="18" charset="0"/>
+              </a:rPr>
+              <a:t>Fuente de alimentación 5V ( o 12 voltios con un regulador de voltaje) </a:t>
+            </a:r>
+            <a:endParaRPr lang="es-EC" sz="1800" b="1" dirty="0">
+              <a:effectLst/>
+              <a:latin typeface="+mj-lt"/>
+              <a:ea typeface="Calibri" panose="020F0502020204030204" pitchFamily="34" charset="0"/>
+              <a:cs typeface="Times New Roman" panose="02020603050405020304" pitchFamily="18" charset="0"/>
+            </a:endParaRPr>
+          </a:p>
+          <a:p>
+            <a:pPr marL="342900" lvl="0" indent="-342900">
+              <a:lnSpc>
+                <a:spcPct val="107000"/>
+              </a:lnSpc>
+              <a:spcAft>
+                <a:spcPts val="800"/>
+              </a:spcAft>
+              <a:buFont typeface="Wingdings" panose="05000000000000000000" pitchFamily="2" charset="2"/>
+              <a:buChar char=""/>
+            </a:pPr>
+            <a:r>
+              <a:rPr lang="es-ES" sz="1800" b="0" dirty="0">
+                <a:effectLst/>
+                <a:latin typeface="+mj-lt"/>
+                <a:ea typeface="Calibri" panose="020F0502020204030204" pitchFamily="34" charset="0"/>
+                <a:cs typeface="Times New Roman" panose="02020603050405020304" pitchFamily="18" charset="0"/>
+              </a:rPr>
+              <a:t>Tiras Leds direccionables </a:t>
+            </a:r>
+            <a:endParaRPr lang="es-EC" sz="1800" b="1" dirty="0">
+              <a:effectLst/>
+              <a:latin typeface="+mj-lt"/>
+              <a:ea typeface="Calibri" panose="020F0502020204030204" pitchFamily="34" charset="0"/>
+              <a:cs typeface="Times New Roman" panose="02020603050405020304" pitchFamily="18" charset="0"/>
+            </a:endParaRPr>
+          </a:p>
+          <a:p>
+            <a:pPr marL="342900" lvl="0" indent="-342900">
+              <a:lnSpc>
+                <a:spcPct val="107000"/>
+              </a:lnSpc>
+              <a:spcAft>
+                <a:spcPts val="800"/>
+              </a:spcAft>
+              <a:buFont typeface="Wingdings" panose="05000000000000000000" pitchFamily="2" charset="2"/>
+              <a:buChar char=""/>
+            </a:pPr>
+            <a:r>
+              <a:rPr lang="es-ES" sz="1800" b="0" dirty="0">
+                <a:effectLst/>
+                <a:latin typeface="+mj-lt"/>
+                <a:ea typeface="Calibri" panose="020F0502020204030204" pitchFamily="34" charset="0"/>
+                <a:cs typeface="Times New Roman" panose="02020603050405020304" pitchFamily="18" charset="0"/>
+              </a:rPr>
+              <a:t>Alguna superficie que se desee colocar las tiras leds, por ejemplo, un cilindro de policloruro de vinilo (tubos de PVC).</a:t>
+            </a:r>
+            <a:endParaRPr lang="es-EC" sz="1800" b="1" dirty="0">
+              <a:effectLst/>
+              <a:latin typeface="+mj-lt"/>
+              <a:ea typeface="Calibri" panose="020F0502020204030204" pitchFamily="34" charset="0"/>
+              <a:cs typeface="Times New Roman" panose="02020603050405020304" pitchFamily="18" charset="0"/>
+            </a:endParaRPr>
+          </a:p>
+          <a:p>
+            <a:pPr marL="342900" lvl="0" indent="-342900">
+              <a:lnSpc>
+                <a:spcPct val="107000"/>
+              </a:lnSpc>
+              <a:spcAft>
+                <a:spcPts val="800"/>
+              </a:spcAft>
+              <a:buFont typeface="Wingdings" panose="05000000000000000000" pitchFamily="2" charset="2"/>
+              <a:buChar char=""/>
+            </a:pPr>
+            <a:r>
+              <a:rPr lang="es-ES" sz="1800" b="0" dirty="0">
+                <a:effectLst/>
+                <a:latin typeface="+mj-lt"/>
+                <a:ea typeface="Calibri" panose="020F0502020204030204" pitchFamily="34" charset="0"/>
+                <a:cs typeface="Times New Roman" panose="02020603050405020304" pitchFamily="18" charset="0"/>
+              </a:rPr>
+              <a:t>Silicona </a:t>
+            </a:r>
+            <a:endParaRPr lang="es-EC" sz="1800" b="1" dirty="0">
+              <a:effectLst/>
+              <a:latin typeface="+mj-lt"/>
+              <a:ea typeface="Calibri" panose="020F0502020204030204" pitchFamily="34" charset="0"/>
+              <a:cs typeface="Times New Roman" panose="02020603050405020304" pitchFamily="18" charset="0"/>
+            </a:endParaRPr>
+          </a:p>
+          <a:p>
+            <a:pPr marL="0" indent="0">
+              <a:buNone/>
+            </a:pPr>
+            <a:endParaRPr lang="es-EC" dirty="0"/>
+          </a:p>
+        </p:txBody>
+      </p:sp>
+      <p:pic>
+        <p:nvPicPr>
+          <p:cNvPr id="1026" name="Picture 2" descr="Arduino Nano R3 - clon - Opencircuit">
+            <a:extLst>
+              <a:ext uri="{FF2B5EF4-FFF2-40B4-BE49-F238E27FC236}">
+                <a16:creationId xmlns:a16="http://schemas.microsoft.com/office/drawing/2014/main" id="{871A3F02-EBBD-43CC-B44B-2509F7640B86}"/>
+              </a:ext>
+            </a:extLst>
+          </p:cNvPr>
+          <p:cNvPicPr>
+            <a:picLocks noChangeAspect="1" noChangeArrowheads="1"/>
+          </p:cNvPicPr>
+          <p:nvPr/>
+        </p:nvPicPr>
+        <p:blipFill>
+          <a:blip r:embed="rId2">
+            <a:extLst>
+              <a:ext uri="{28A0092B-C50C-407E-A947-70E740481C1C}">
+                <a14:useLocalDpi xmlns:a14="http://schemas.microsoft.com/office/drawing/2010/main" val="0"/>
+              </a:ext>
+            </a:extLst>
+          </a:blip>
+          <a:srcRect/>
+          <a:stretch>
+            <a:fillRect/>
+          </a:stretch>
+        </p:blipFill>
+        <p:spPr bwMode="auto">
+          <a:xfrm>
+            <a:off x="8180180" y="1702687"/>
+            <a:ext cx="2389959" cy="1926236"/>
+          </a:xfrm>
+          <a:prstGeom prst="rect">
+            <a:avLst/>
+          </a:prstGeom>
+          <a:noFill/>
+          <a:extLst>
+            <a:ext uri="{909E8E84-426E-40DD-AFC4-6F175D3DCCD1}">
+              <a14:hiddenFill xmlns:a14="http://schemas.microsoft.com/office/drawing/2010/main">
+                <a:solidFill>
+                  <a:srgbClr val="FFFFFF"/>
+                </a:solidFill>
+              </a14:hiddenFill>
+            </a:ext>
+          </a:extLst>
+        </p:spPr>
+      </p:pic>
+      <p:pic>
+        <p:nvPicPr>
+          <p:cNvPr id="1028" name="Picture 4" descr="Sensor Detector Sonido con Microfono - MakerElectronico">
+            <a:extLst>
+              <a:ext uri="{FF2B5EF4-FFF2-40B4-BE49-F238E27FC236}">
+                <a16:creationId xmlns:a16="http://schemas.microsoft.com/office/drawing/2014/main" id="{87B0059D-BB9E-490B-9540-70DF60524261}"/>
+              </a:ext>
+            </a:extLst>
+          </p:cNvPr>
+          <p:cNvPicPr>
+            <a:picLocks noChangeAspect="1" noChangeArrowheads="1"/>
+          </p:cNvPicPr>
+          <p:nvPr/>
+        </p:nvPicPr>
+        <p:blipFill>
+          <a:blip r:embed="rId3">
+            <a:extLst>
+              <a:ext uri="{28A0092B-C50C-407E-A947-70E740481C1C}">
+                <a14:useLocalDpi xmlns:a14="http://schemas.microsoft.com/office/drawing/2010/main" val="0"/>
+              </a:ext>
+            </a:extLst>
+          </a:blip>
+          <a:srcRect/>
+          <a:stretch>
+            <a:fillRect/>
+          </a:stretch>
+        </p:blipFill>
+        <p:spPr bwMode="auto">
+          <a:xfrm>
+            <a:off x="7773369" y="4268440"/>
+            <a:ext cx="2959587" cy="1163453"/>
+          </a:xfrm>
+          <a:prstGeom prst="rect">
+            <a:avLst/>
+          </a:prstGeom>
+          <a:noFill/>
+          <a:extLst>
+            <a:ext uri="{909E8E84-426E-40DD-AFC4-6F175D3DCCD1}">
+              <a14:hiddenFill xmlns:a14="http://schemas.microsoft.com/office/drawing/2010/main">
+                <a:solidFill>
+                  <a:srgbClr val="FFFFFF"/>
+                </a:solidFill>
+              </a14:hiddenFill>
+            </a:ext>
+          </a:extLst>
+        </p:spPr>
+      </p:pic>
+    </p:spTree>
+    <p:extLst>
+      <p:ext uri="{BB962C8B-B14F-4D97-AF65-F5344CB8AC3E}">
+        <p14:creationId xmlns:p14="http://schemas.microsoft.com/office/powerpoint/2010/main" val="3386052801"/>
+      </p:ext>
+    </p:extLst>
+  </p:cSld>
+  <p:clrMapOvr>
+    <a:masterClrMapping/>
+  </p:clrMapOvr>
+</p:sld>
+</file>
+
+<file path=ppt/slides/slide5.xml><?xml version="1.0" encoding="utf-8"?>
+<p:sld xmlns:a="http://schemas.openxmlformats.org/drawingml/2006/main" xmlns:r="http://schemas.openxmlformats.org/officeDocument/2006/relationships" xmlns:p="http://schemas.openxmlformats.org/presentationml/2006/main">
+  <p:cSld>
+    <p:bg>
+      <p:bgPr>
+        <a:blipFill rotWithShape="1">
+          <a:blip r:embed="rId2"/>
+          <a:stretch/>
+        </a:blipFill>
+        <a:effectLst/>
+      </p:bgPr>
+    </p:bg>
+    <p:spTree>
+      <p:nvGrpSpPr>
+        <p:cNvPr id="1" name=""/>
+        <p:cNvGrpSpPr/>
+        <p:nvPr/>
+      </p:nvGrpSpPr>
+      <p:grpSpPr>
+        <a:xfrm>
+          <a:off x="0" y="0"/>
+          <a:ext cx="0" cy="0"/>
+          <a:chOff x="0" y="0"/>
+          <a:chExt cx="0" cy="0"/>
+        </a:xfrm>
+      </p:grpSpPr>
+      <p:pic>
+        <p:nvPicPr>
+          <p:cNvPr id="10" name="Picture 9">
+            <a:extLst>
+              <a:ext uri="{FF2B5EF4-FFF2-40B4-BE49-F238E27FC236}">
+                <a16:creationId xmlns:a16="http://schemas.microsoft.com/office/drawing/2014/main" id="{01AF5FBB-9FDC-4D75-9DD6-DAF01ED197A0}"/>
+              </a:ext>
+              <a:ext uri="{C183D7F6-B498-43B3-948B-1728B52AA6E4}">
+                <adec:decorative xmlns:adec="http://schemas.microsoft.com/office/drawing/2017/decorative" val="1"/>
+              </a:ext>
+            </a:extLst>
+          </p:cNvPr>
+          <p:cNvPicPr>
+            <a:picLocks noGrp="1" noRot="1" noChangeAspect="1" noMove="1" noResize="1" noEditPoints="1" noAdjustHandles="1" noChangeArrowheads="1" noChangeShapeType="1" noCrop="1"/>
+          </p:cNvPicPr>
+          <p:nvPr>
+            <p:extLst>
+              <p:ext uri="{386F3935-93C4-4BCD-93E2-E3B085C9AB24}">
+                <p16:designElem xmlns:p16="http://schemas.microsoft.com/office/powerpoint/2015/main" val="1"/>
+              </p:ext>
+            </p:extLst>
+          </p:nvPr>
+        </p:nvPicPr>
+        <p:blipFill>
+          <a:blip r:embed="rId3">
+            <a:extLst>
+              <a:ext uri="{28A0092B-C50C-407E-A947-70E740481C1C}">
+                <a14:useLocalDpi xmlns:a14="http://schemas.microsoft.com/office/drawing/2010/main" val="0"/>
+              </a:ext>
+            </a:extLst>
+          </a:blip>
+          <a:stretch>
+            <a:fillRect/>
+          </a:stretch>
+        </p:blipFill>
+        <p:spPr>
+          <a:xfrm>
+            <a:off x="2831794" y="2105202"/>
+            <a:ext cx="9360205" cy="4752798"/>
+          </a:xfrm>
+          <a:prstGeom prst="rect">
+            <a:avLst/>
+          </a:prstGeom>
+        </p:spPr>
+      </p:pic>
+      <p:pic>
+        <p:nvPicPr>
+          <p:cNvPr id="12" name="Picture 11">
+            <a:extLst>
+              <a:ext uri="{FF2B5EF4-FFF2-40B4-BE49-F238E27FC236}">
+                <a16:creationId xmlns:a16="http://schemas.microsoft.com/office/drawing/2014/main" id="{933BBBE6-F4CF-483E-BA74-B51421B4D93F}"/>
+              </a:ext>
+              <a:ext uri="{C183D7F6-B498-43B3-948B-1728B52AA6E4}">
+                <adec:decorative xmlns:adec="http://schemas.microsoft.com/office/drawing/2017/decorative" val="1"/>
+              </a:ext>
+            </a:extLst>
+          </p:cNvPr>
+          <p:cNvPicPr>
+            <a:picLocks noGrp="1" noRot="1" noChangeAspect="1" noMove="1" noResize="1" noEditPoints="1" noAdjustHandles="1" noChangeArrowheads="1" noChangeShapeType="1" noCrop="1"/>
+          </p:cNvPicPr>
+          <p:nvPr>
+            <p:extLst>
+              <p:ext uri="{386F3935-93C4-4BCD-93E2-E3B085C9AB24}">
+                <p16:designElem xmlns:p16="http://schemas.microsoft.com/office/powerpoint/2015/main" val="1"/>
+              </p:ext>
+            </p:extLst>
+          </p:nvPr>
+        </p:nvPicPr>
+        <p:blipFill>
+          <a:blip r:embed="rId4">
+            <a:extLst>
+              <a:ext uri="{28A0092B-C50C-407E-A947-70E740481C1C}">
+                <a14:useLocalDpi xmlns:a14="http://schemas.microsoft.com/office/drawing/2010/main" val="0"/>
+              </a:ext>
+            </a:extLst>
+          </a:blip>
+          <a:stretch>
+            <a:fillRect/>
+          </a:stretch>
+        </p:blipFill>
+        <p:spPr>
+          <a:xfrm>
+            <a:off x="0" y="0"/>
+            <a:ext cx="12189867" cy="6858000"/>
+          </a:xfrm>
+          <a:prstGeom prst="rect">
+            <a:avLst/>
+          </a:prstGeom>
+        </p:spPr>
+      </p:pic>
+      <p:sp>
+        <p:nvSpPr>
+          <p:cNvPr id="14" name="Rectangle 13">
+            <a:extLst>
+              <a:ext uri="{FF2B5EF4-FFF2-40B4-BE49-F238E27FC236}">
+                <a16:creationId xmlns:a16="http://schemas.microsoft.com/office/drawing/2014/main" id="{4C790028-99AE-4AE4-8269-9913E2D50625}"/>
+              </a:ext>
+              <a:ext uri="{C183D7F6-B498-43B3-948B-1728B52AA6E4}">
+                <adec:decorative xmlns:adec="http://schemas.microsoft.com/office/drawing/2017/decorative" val="1"/>
+              </a:ext>
+            </a:extLst>
+          </p:cNvPr>
+          <p:cNvSpPr>
+            <a:spLocks noGrp="1" noRot="1" noChangeAspect="1" noMove="1" noResize="1" noEditPoints="1" noAdjustHandles="1" noChangeArrowheads="1" noChangeShapeType="1" noTextEdit="1"/>
+          </p:cNvSpPr>
+          <p:nvPr>
+            <p:extLst>
+              <p:ext uri="{386F3935-93C4-4BCD-93E2-E3B085C9AB24}">
+                <p16:designElem xmlns:p16="http://schemas.microsoft.com/office/powerpoint/2015/main" val="1"/>
+              </p:ext>
+            </p:extLst>
+          </p:nvPr>
+        </p:nvSpPr>
+        <p:spPr>
+          <a:xfrm>
+            <a:off x="0" y="0"/>
+            <a:ext cx="964174" cy="6858000"/>
+          </a:xfrm>
+          <a:prstGeom prst="rect">
+            <a:avLst/>
+          </a:prstGeom>
+          <a:solidFill>
+            <a:schemeClr val="bg2"/>
+          </a:solidFill>
+          <a:ln>
+            <a:noFill/>
+          </a:ln>
+        </p:spPr>
+        <p:style>
+          <a:lnRef idx="2">
+            <a:schemeClr val="accent1">
+              <a:shade val="50000"/>
+            </a:schemeClr>
+          </a:lnRef>
+          <a:fillRef idx="1">
+            <a:schemeClr val="accent1"/>
+          </a:fillRef>
+          <a:effectRef idx="0">
+            <a:schemeClr val="accent1"/>
+          </a:effectRef>
+          <a:fontRef idx="minor">
+            <a:schemeClr val="lt1"/>
+          </a:fontRef>
+        </p:style>
+      </p:sp>
+      <p:sp>
+        <p:nvSpPr>
+          <p:cNvPr id="16" name="Rectangle 15">
+            <a:extLst>
+              <a:ext uri="{FF2B5EF4-FFF2-40B4-BE49-F238E27FC236}">
+                <a16:creationId xmlns:a16="http://schemas.microsoft.com/office/drawing/2014/main" id="{06936A2A-FE08-4EE0-A409-3EF3FA2448DE}"/>
+              </a:ext>
+              <a:ext uri="{C183D7F6-B498-43B3-948B-1728B52AA6E4}">
+                <adec:decorative xmlns:adec="http://schemas.microsoft.com/office/drawing/2017/decorative" val="1"/>
+              </a:ext>
+            </a:extLst>
+          </p:cNvPr>
+          <p:cNvSpPr>
+            <a:spLocks noGrp="1" noRot="1" noChangeAspect="1" noMove="1" noResize="1" noEditPoints="1" noAdjustHandles="1" noChangeArrowheads="1" noChangeShapeType="1" noTextEdit="1"/>
+          </p:cNvSpPr>
+          <p:nvPr>
+            <p:extLst>
+              <p:ext uri="{386F3935-93C4-4BCD-93E2-E3B085C9AB24}">
+                <p16:designElem xmlns:p16="http://schemas.microsoft.com/office/powerpoint/2015/main" val="1"/>
+              </p:ext>
+            </p:extLst>
+          </p:nvPr>
+        </p:nvSpPr>
+        <p:spPr>
+          <a:xfrm>
+            <a:off x="962042" y="0"/>
+            <a:ext cx="45719" cy="6858000"/>
+          </a:xfrm>
+          <a:prstGeom prst="rect">
+            <a:avLst/>
+          </a:prstGeom>
+          <a:solidFill>
+            <a:schemeClr val="accent6"/>
+          </a:solidFill>
+          <a:ln>
+            <a:noFill/>
+          </a:ln>
+        </p:spPr>
+        <p:style>
+          <a:lnRef idx="2">
+            <a:schemeClr val="accent1">
+              <a:shade val="50000"/>
+            </a:schemeClr>
+          </a:lnRef>
+          <a:fillRef idx="1">
+            <a:schemeClr val="accent1"/>
+          </a:fillRef>
+          <a:effectRef idx="0">
+            <a:schemeClr val="accent1"/>
+          </a:effectRef>
+          <a:fontRef idx="minor">
+            <a:schemeClr val="lt1"/>
+          </a:fontRef>
+        </p:style>
+      </p:sp>
+      <p:sp>
+        <p:nvSpPr>
+          <p:cNvPr id="18" name="Rectangle 17">
+            <a:extLst>
+              <a:ext uri="{FF2B5EF4-FFF2-40B4-BE49-F238E27FC236}">
+                <a16:creationId xmlns:a16="http://schemas.microsoft.com/office/drawing/2014/main" id="{BAF0407B-48CB-4C05-B0D7-7A69A0D407F1}"/>
+              </a:ext>
+              <a:ext uri="{C183D7F6-B498-43B3-948B-1728B52AA6E4}">
+                <adec:decorative xmlns:adec="http://schemas.microsoft.com/office/drawing/2017/decorative" val="1"/>
+              </a:ext>
+            </a:extLst>
+          </p:cNvPr>
+          <p:cNvSpPr>
+            <a:spLocks noGrp="1" noRot="1" noChangeAspect="1" noMove="1" noResize="1" noEditPoints="1" noAdjustHandles="1" noChangeArrowheads="1" noChangeShapeType="1" noTextEdit="1"/>
+          </p:cNvSpPr>
+          <p:nvPr>
+            <p:extLst>
+              <p:ext uri="{386F3935-93C4-4BCD-93E2-E3B085C9AB24}">
+                <p16:designElem xmlns:p16="http://schemas.microsoft.com/office/powerpoint/2015/main" val="1"/>
+              </p:ext>
+            </p:extLst>
+          </p:nvPr>
+        </p:nvSpPr>
+        <p:spPr>
+          <a:xfrm>
+            <a:off x="1007533" y="0"/>
+            <a:ext cx="7934348" cy="6858000"/>
+          </a:xfrm>
+          <a:prstGeom prst="rect">
+            <a:avLst/>
+          </a:prstGeom>
+          <a:solidFill>
+            <a:schemeClr val="bg2">
+              <a:alpha val="92000"/>
+            </a:schemeClr>
+          </a:solidFill>
+          <a:ln>
+            <a:noFill/>
+          </a:ln>
+        </p:spPr>
+        <p:style>
+          <a:lnRef idx="2">
+            <a:schemeClr val="accent1">
+              <a:shade val="50000"/>
+            </a:schemeClr>
+          </a:lnRef>
+          <a:fillRef idx="1">
+            <a:schemeClr val="accent1"/>
+          </a:fillRef>
+          <a:effectRef idx="0">
+            <a:schemeClr val="accent1"/>
+          </a:effectRef>
+          <a:fontRef idx="minor">
+            <a:schemeClr val="lt1"/>
+          </a:fontRef>
+        </p:style>
+      </p:sp>
+      <p:sp>
+        <p:nvSpPr>
+          <p:cNvPr id="20" name="Rectangle 19">
+            <a:extLst>
+              <a:ext uri="{FF2B5EF4-FFF2-40B4-BE49-F238E27FC236}">
+                <a16:creationId xmlns:a16="http://schemas.microsoft.com/office/drawing/2014/main" id="{ADC50C3D-0DA0-4914-B5B4-D1819CC69813}"/>
+              </a:ext>
+              <a:ext uri="{C183D7F6-B498-43B3-948B-1728B52AA6E4}">
+                <adec:decorative xmlns:adec="http://schemas.microsoft.com/office/drawing/2017/decorative" val="1"/>
+              </a:ext>
+            </a:extLst>
+          </p:cNvPr>
+          <p:cNvSpPr>
+            <a:spLocks noGrp="1" noRot="1" noChangeAspect="1" noMove="1" noResize="1" noEditPoints="1" noAdjustHandles="1" noChangeArrowheads="1" noChangeShapeType="1" noTextEdit="1"/>
+          </p:cNvSpPr>
+          <p:nvPr>
+            <p:extLst>
+              <p:ext uri="{386F3935-93C4-4BCD-93E2-E3B085C9AB24}">
+                <p16:designElem xmlns:p16="http://schemas.microsoft.com/office/powerpoint/2015/main" val="1"/>
+              </p:ext>
+            </p:extLst>
+          </p:nvPr>
+        </p:nvSpPr>
+        <p:spPr>
+          <a:xfrm>
+            <a:off x="8941881" y="0"/>
+            <a:ext cx="27432" cy="6858000"/>
+          </a:xfrm>
+          <a:prstGeom prst="rect">
+            <a:avLst/>
+          </a:prstGeom>
+          <a:solidFill>
+            <a:schemeClr val="accent6"/>
+          </a:solidFill>
+          <a:ln>
+            <a:noFill/>
+          </a:ln>
+        </p:spPr>
+        <p:style>
+          <a:lnRef idx="2">
+            <a:schemeClr val="accent1">
+              <a:shade val="50000"/>
+            </a:schemeClr>
+          </a:lnRef>
+          <a:fillRef idx="1">
+            <a:schemeClr val="accent1"/>
+          </a:fillRef>
+          <a:effectRef idx="0">
+            <a:schemeClr val="accent1"/>
+          </a:effectRef>
+          <a:fontRef idx="minor">
+            <a:schemeClr val="lt1"/>
+          </a:fontRef>
+        </p:style>
+      </p:sp>
+      <p:sp>
+        <p:nvSpPr>
+          <p:cNvPr id="22" name="TextBox 21">
+            <a:extLst>
+              <a:ext uri="{FF2B5EF4-FFF2-40B4-BE49-F238E27FC236}">
+                <a16:creationId xmlns:a16="http://schemas.microsoft.com/office/drawing/2014/main" id="{8CF9E583-1A92-4144-B4FA-81D98317FA04}"/>
+              </a:ext>
+              <a:ext uri="{C183D7F6-B498-43B3-948B-1728B52AA6E4}">
+                <adec:decorative xmlns:adec="http://schemas.microsoft.com/office/drawing/2017/decorative" val="1"/>
+              </a:ext>
+            </a:extLst>
+          </p:cNvPr>
+          <p:cNvSpPr txBox="1">
+            <a:spLocks noGrp="1" noRot="1" noChangeAspect="1" noMove="1" noResize="1" noEditPoints="1" noAdjustHandles="1" noChangeArrowheads="1" noChangeShapeType="1" noTextEdit="1"/>
+          </p:cNvSpPr>
+          <p:nvPr>
+            <p:extLst>
+              <p:ext uri="{386F3935-93C4-4BCD-93E2-E3B085C9AB24}">
+                <p16:designElem xmlns:p16="http://schemas.microsoft.com/office/powerpoint/2015/main" val="1"/>
+              </p:ext>
+            </p:extLst>
+          </p:nvPr>
+        </p:nvSpPr>
+        <p:spPr>
+          <a:xfrm>
+            <a:off x="2191282" y="3262852"/>
+            <a:ext cx="415636" cy="461665"/>
+          </a:xfrm>
+          <a:prstGeom prst="rect">
+            <a:avLst/>
+          </a:prstGeom>
+          <a:noFill/>
+        </p:spPr>
+        <p:txBody>
+          <a:bodyPr wrap="square" rtlCol="0">
+            <a:spAutoFit/>
+          </a:bodyPr>
+          <a:lstStyle/>
+          <a:p>
+            <a:pPr algn="r">
+              <a:spcAft>
+                <a:spcPts val="600"/>
+              </a:spcAft>
+            </a:pPr>
+            <a:r>
+              <a:rPr lang="en-US" sz="2400" dirty="0">
+                <a:solidFill>
+                  <a:schemeClr val="accent6"/>
+                </a:solidFill>
+                <a:latin typeface="Wingdings 3" panose="05040102010807070707" pitchFamily="18" charset="2"/>
+              </a:rPr>
+              <a:t>z</a:t>
+            </a:r>
+            <a:endParaRPr lang="en-US" sz="2400" dirty="0">
+              <a:solidFill>
+                <a:schemeClr val="accent6"/>
+              </a:solidFill>
+              <a:latin typeface="MS Shell Dlg 2" panose="020B0604030504040204" pitchFamily="34" charset="0"/>
+            </a:endParaRPr>
+          </a:p>
+        </p:txBody>
+      </p:sp>
+      <p:sp useBgFill="1">
+        <p:nvSpPr>
+          <p:cNvPr id="24" name="Rectangle 23">
+            <a:extLst>
+              <a:ext uri="{FF2B5EF4-FFF2-40B4-BE49-F238E27FC236}">
+                <a16:creationId xmlns:a16="http://schemas.microsoft.com/office/drawing/2014/main" id="{034E919F-0039-45A9-8A1B-B05CD878FCC1}"/>
+              </a:ext>
+              <a:ext uri="{C183D7F6-B498-43B3-948B-1728B52AA6E4}">
+                <adec:decorative xmlns:adec="http://schemas.microsoft.com/office/drawing/2017/decorative" val="1"/>
+              </a:ext>
+            </a:extLst>
+          </p:cNvPr>
+          <p:cNvSpPr>
+            <a:spLocks noGrp="1" noRot="1" noChangeAspect="1" noMove="1" noResize="1" noEditPoints="1" noAdjustHandles="1" noChangeArrowheads="1" noChangeShapeType="1" noTextEdit="1"/>
+          </p:cNvSpPr>
+          <p:nvPr>
+            <p:extLst>
+              <p:ext uri="{386F3935-93C4-4BCD-93E2-E3B085C9AB24}">
+                <p16:designElem xmlns:p16="http://schemas.microsoft.com/office/powerpoint/2015/main" val="1"/>
+              </p:ext>
+            </p:extLst>
+          </p:nvPr>
+        </p:nvSpPr>
+        <p:spPr>
+          <a:xfrm>
+            <a:off x="0" y="0"/>
+            <a:ext cx="12189867" cy="6855282"/>
+          </a:xfrm>
+          <a:prstGeom prst="rect">
+            <a:avLst/>
+          </a:prstGeom>
+          <a:ln>
+            <a:noFill/>
+          </a:ln>
+        </p:spPr>
+        <p:style>
+          <a:lnRef idx="2">
+            <a:schemeClr val="accent1">
+              <a:shade val="50000"/>
+            </a:schemeClr>
+          </a:lnRef>
+          <a:fillRef idx="1">
+            <a:schemeClr val="accent1"/>
+          </a:fillRef>
+          <a:effectRef idx="0">
+            <a:schemeClr val="accent1"/>
+          </a:effectRef>
+          <a:fontRef idx="minor">
+            <a:schemeClr val="lt1"/>
+          </a:fontRef>
+        </p:style>
+        <p:txBody>
+          <a:bodyPr rtlCol="0" anchor="ctr"/>
+          <a:lstStyle/>
+          <a:p>
+            <a:pPr algn="ctr"/>
+            <a:endParaRPr lang="en-US"/>
+          </a:p>
+        </p:txBody>
+      </p:sp>
+      <p:pic>
+        <p:nvPicPr>
+          <p:cNvPr id="26" name="Picture 25">
+            <a:extLst>
+              <a:ext uri="{FF2B5EF4-FFF2-40B4-BE49-F238E27FC236}">
+                <a16:creationId xmlns:a16="http://schemas.microsoft.com/office/drawing/2014/main" id="{EC9C5A0E-1D2A-4F4B-8123-B963AD56DC3F}"/>
+              </a:ext>
+              <a:ext uri="{C183D7F6-B498-43B3-948B-1728B52AA6E4}">
+                <adec:decorative xmlns:adec="http://schemas.microsoft.com/office/drawing/2017/decorative" val="1"/>
+              </a:ext>
+            </a:extLst>
+          </p:cNvPr>
+          <p:cNvPicPr>
+            <a:picLocks noGrp="1" noRot="1" noChangeAspect="1" noMove="1" noResize="1" noEditPoints="1" noAdjustHandles="1" noChangeArrowheads="1" noChangeShapeType="1" noCrop="1"/>
+          </p:cNvPicPr>
+          <p:nvPr>
+            <p:extLst>
+              <p:ext uri="{386F3935-93C4-4BCD-93E2-E3B085C9AB24}">
+                <p16:designElem xmlns:p16="http://schemas.microsoft.com/office/powerpoint/2015/main" val="1"/>
+              </p:ext>
+            </p:extLst>
+          </p:nvPr>
+        </p:nvPicPr>
+        <p:blipFill>
+          <a:blip r:embed="rId3">
+            <a:extLst>
+              <a:ext uri="{28A0092B-C50C-407E-A947-70E740481C1C}">
+                <a14:useLocalDpi xmlns:a14="http://schemas.microsoft.com/office/drawing/2010/main" val="0"/>
+              </a:ext>
+            </a:extLst>
+          </a:blip>
+          <a:stretch>
+            <a:fillRect/>
+          </a:stretch>
+        </p:blipFill>
+        <p:spPr>
+          <a:xfrm>
+            <a:off x="2831794" y="2105202"/>
+            <a:ext cx="9360205" cy="4752798"/>
+          </a:xfrm>
+          <a:prstGeom prst="rect">
+            <a:avLst/>
+          </a:prstGeom>
+        </p:spPr>
+      </p:pic>
+      <p:pic>
+        <p:nvPicPr>
+          <p:cNvPr id="28" name="Picture 27">
+            <a:extLst>
+              <a:ext uri="{FF2B5EF4-FFF2-40B4-BE49-F238E27FC236}">
+                <a16:creationId xmlns:a16="http://schemas.microsoft.com/office/drawing/2014/main" id="{9C3A7CDD-5E6D-48B6-9D66-F8AFFB7D27A1}"/>
+              </a:ext>
+              <a:ext uri="{C183D7F6-B498-43B3-948B-1728B52AA6E4}">
+                <adec:decorative xmlns:adec="http://schemas.microsoft.com/office/drawing/2017/decorative" val="1"/>
+              </a:ext>
+            </a:extLst>
+          </p:cNvPr>
+          <p:cNvPicPr>
+            <a:picLocks noGrp="1" noRot="1" noChangeAspect="1" noMove="1" noResize="1" noEditPoints="1" noAdjustHandles="1" noChangeArrowheads="1" noChangeShapeType="1" noCrop="1"/>
+          </p:cNvPicPr>
+          <p:nvPr>
+            <p:extLst>
+              <p:ext uri="{386F3935-93C4-4BCD-93E2-E3B085C9AB24}">
+                <p16:designElem xmlns:p16="http://schemas.microsoft.com/office/powerpoint/2015/main" val="1"/>
+              </p:ext>
+            </p:extLst>
+          </p:nvPr>
+        </p:nvPicPr>
+        <p:blipFill>
+          <a:blip r:embed="rId4">
+            <a:alphaModFix/>
+            <a:extLst>
+              <a:ext uri="{28A0092B-C50C-407E-A947-70E740481C1C}">
+                <a14:useLocalDpi xmlns:a14="http://schemas.microsoft.com/office/drawing/2010/main" val="0"/>
+              </a:ext>
+            </a:extLst>
+          </a:blip>
+          <a:stretch>
+            <a:fillRect/>
+          </a:stretch>
+        </p:blipFill>
+        <p:spPr>
+          <a:xfrm>
+            <a:off x="0" y="0"/>
+            <a:ext cx="12189867" cy="6858000"/>
+          </a:xfrm>
+          <a:prstGeom prst="rect">
+            <a:avLst/>
+          </a:prstGeom>
+        </p:spPr>
+      </p:pic>
+      <p:sp>
+        <p:nvSpPr>
+          <p:cNvPr id="30" name="Rectangle 29">
+            <a:extLst>
+              <a:ext uri="{FF2B5EF4-FFF2-40B4-BE49-F238E27FC236}">
+                <a16:creationId xmlns:a16="http://schemas.microsoft.com/office/drawing/2014/main" id="{A5AA4037-397A-4467-A120-C510DDD42975}"/>
+              </a:ext>
+              <a:ext uri="{C183D7F6-B498-43B3-948B-1728B52AA6E4}">
+                <adec:decorative xmlns:adec="http://schemas.microsoft.com/office/drawing/2017/decorative" val="1"/>
+              </a:ext>
+            </a:extLst>
+          </p:cNvPr>
+          <p:cNvSpPr>
+            <a:spLocks noGrp="1" noRot="1" noChangeAspect="1" noMove="1" noResize="1" noEditPoints="1" noAdjustHandles="1" noChangeArrowheads="1" noChangeShapeType="1" noTextEdit="1"/>
+          </p:cNvSpPr>
+          <p:nvPr>
+            <p:extLst>
+              <p:ext uri="{386F3935-93C4-4BCD-93E2-E3B085C9AB24}">
+                <p16:designElem xmlns:p16="http://schemas.microsoft.com/office/powerpoint/2015/main" val="1"/>
+              </p:ext>
+            </p:extLst>
+          </p:nvPr>
+        </p:nvSpPr>
+        <p:spPr>
+          <a:xfrm>
+            <a:off x="0" y="0"/>
+            <a:ext cx="964174" cy="6858000"/>
+          </a:xfrm>
+          <a:prstGeom prst="rect">
+            <a:avLst/>
+          </a:prstGeom>
+          <a:solidFill>
+            <a:schemeClr val="bg2"/>
+          </a:solidFill>
+          <a:ln>
+            <a:noFill/>
+          </a:ln>
+        </p:spPr>
+        <p:style>
+          <a:lnRef idx="2">
+            <a:schemeClr val="accent1">
+              <a:shade val="50000"/>
+            </a:schemeClr>
+          </a:lnRef>
+          <a:fillRef idx="1">
+            <a:schemeClr val="accent1"/>
+          </a:fillRef>
+          <a:effectRef idx="0">
+            <a:schemeClr val="accent1"/>
+          </a:effectRef>
+          <a:fontRef idx="minor">
+            <a:schemeClr val="lt1"/>
+          </a:fontRef>
+        </p:style>
+        <p:txBody>
+          <a:bodyPr rtlCol="0" anchor="ctr"/>
+          <a:lstStyle/>
+          <a:p>
+            <a:pPr algn="ctr"/>
+            <a:endParaRPr lang="en-US"/>
+          </a:p>
+        </p:txBody>
+      </p:sp>
+      <p:sp>
+        <p:nvSpPr>
+          <p:cNvPr id="32" name="Rectangle 31">
+            <a:extLst>
+              <a:ext uri="{FF2B5EF4-FFF2-40B4-BE49-F238E27FC236}">
+                <a16:creationId xmlns:a16="http://schemas.microsoft.com/office/drawing/2014/main" id="{38E7B4B2-19E8-410A-A89F-7A2E0485D9C7}"/>
+              </a:ext>
+              <a:ext uri="{C183D7F6-B498-43B3-948B-1728B52AA6E4}">
+                <adec:decorative xmlns:adec="http://schemas.microsoft.com/office/drawing/2017/decorative" val="1"/>
+              </a:ext>
+            </a:extLst>
+          </p:cNvPr>
+          <p:cNvSpPr>
+            <a:spLocks noGrp="1" noRot="1" noChangeAspect="1" noMove="1" noResize="1" noEditPoints="1" noAdjustHandles="1" noChangeArrowheads="1" noChangeShapeType="1" noTextEdit="1"/>
+          </p:cNvSpPr>
+          <p:nvPr>
+            <p:extLst>
+              <p:ext uri="{386F3935-93C4-4BCD-93E2-E3B085C9AB24}">
+                <p16:designElem xmlns:p16="http://schemas.microsoft.com/office/powerpoint/2015/main" val="1"/>
+              </p:ext>
+            </p:extLst>
+          </p:nvPr>
+        </p:nvSpPr>
+        <p:spPr>
+          <a:xfrm>
+            <a:off x="962042" y="0"/>
+            <a:ext cx="45719" cy="6858000"/>
+          </a:xfrm>
+          <a:prstGeom prst="rect">
+            <a:avLst/>
+          </a:prstGeom>
+          <a:solidFill>
+            <a:schemeClr val="accent6"/>
+          </a:solidFill>
+          <a:ln>
+            <a:noFill/>
+          </a:ln>
+        </p:spPr>
+        <p:style>
+          <a:lnRef idx="2">
+            <a:schemeClr val="accent1">
+              <a:shade val="50000"/>
+            </a:schemeClr>
+          </a:lnRef>
+          <a:fillRef idx="1">
+            <a:schemeClr val="accent1"/>
+          </a:fillRef>
+          <a:effectRef idx="0">
+            <a:schemeClr val="accent1"/>
+          </a:effectRef>
+          <a:fontRef idx="minor">
+            <a:schemeClr val="lt1"/>
+          </a:fontRef>
+        </p:style>
+        <p:txBody>
+          <a:bodyPr rtlCol="0" anchor="ctr"/>
+          <a:lstStyle/>
+          <a:p>
+            <a:pPr algn="ctr"/>
+            <a:endParaRPr lang="en-US"/>
+          </a:p>
+        </p:txBody>
+      </p:sp>
+      <p:sp>
+        <p:nvSpPr>
+          <p:cNvPr id="34" name="Rectangle 33">
+            <a:extLst>
+              <a:ext uri="{FF2B5EF4-FFF2-40B4-BE49-F238E27FC236}">
+                <a16:creationId xmlns:a16="http://schemas.microsoft.com/office/drawing/2014/main" id="{206D98D2-ED53-4A46-95A8-7A0D05291C24}"/>
+              </a:ext>
+              <a:ext uri="{C183D7F6-B498-43B3-948B-1728B52AA6E4}">
+                <adec:decorative xmlns:adec="http://schemas.microsoft.com/office/drawing/2017/decorative" val="1"/>
+              </a:ext>
+            </a:extLst>
+          </p:cNvPr>
+          <p:cNvSpPr>
+            <a:spLocks noGrp="1" noRot="1" noChangeAspect="1" noMove="1" noResize="1" noEditPoints="1" noAdjustHandles="1" noChangeArrowheads="1" noChangeShapeType="1" noTextEdit="1"/>
+          </p:cNvSpPr>
+          <p:nvPr>
+            <p:extLst>
+              <p:ext uri="{386F3935-93C4-4BCD-93E2-E3B085C9AB24}">
+                <p16:designElem xmlns:p16="http://schemas.microsoft.com/office/powerpoint/2015/main" val="1"/>
+              </p:ext>
+            </p:extLst>
+          </p:nvPr>
+        </p:nvSpPr>
+        <p:spPr>
+          <a:xfrm>
+            <a:off x="1007533" y="0"/>
+            <a:ext cx="4428326" cy="6858000"/>
+          </a:xfrm>
+          <a:prstGeom prst="rect">
+            <a:avLst/>
+          </a:prstGeom>
+          <a:solidFill>
+            <a:schemeClr val="bg2">
+              <a:alpha val="92000"/>
+            </a:schemeClr>
+          </a:solidFill>
+          <a:ln>
+            <a:noFill/>
+          </a:ln>
+        </p:spPr>
+        <p:style>
+          <a:lnRef idx="2">
+            <a:schemeClr val="accent1">
+              <a:shade val="50000"/>
+            </a:schemeClr>
+          </a:lnRef>
+          <a:fillRef idx="1">
+            <a:schemeClr val="accent1"/>
+          </a:fillRef>
+          <a:effectRef idx="0">
+            <a:schemeClr val="accent1"/>
+          </a:effectRef>
+          <a:fontRef idx="minor">
+            <a:schemeClr val="lt1"/>
+          </a:fontRef>
+        </p:style>
+        <p:txBody>
+          <a:bodyPr rtlCol="0" anchor="ctr"/>
+          <a:lstStyle/>
+          <a:p>
+            <a:pPr algn="ctr"/>
+            <a:endParaRPr lang="en-US"/>
+          </a:p>
+        </p:txBody>
+      </p:sp>
+      <p:sp>
+        <p:nvSpPr>
+          <p:cNvPr id="2" name="Título 1">
+            <a:extLst>
+              <a:ext uri="{FF2B5EF4-FFF2-40B4-BE49-F238E27FC236}">
+                <a16:creationId xmlns:a16="http://schemas.microsoft.com/office/drawing/2014/main" id="{ACB1CC89-F5D7-4B0C-BC49-B20B1741860F}"/>
+              </a:ext>
+            </a:extLst>
+          </p:cNvPr>
+          <p:cNvSpPr>
+            <a:spLocks noGrp="1"/>
+          </p:cNvSpPr>
+          <p:nvPr>
+            <p:ph type="title"/>
+          </p:nvPr>
+        </p:nvSpPr>
+        <p:spPr>
+          <a:xfrm>
+            <a:off x="1969804" y="3428998"/>
+            <a:ext cx="2658856" cy="2268559"/>
+          </a:xfrm>
+        </p:spPr>
+        <p:txBody>
+          <a:bodyPr vert="horz" lIns="91440" tIns="45720" rIns="91440" bIns="45720" rtlCol="0" anchor="t">
+            <a:normAutofit/>
+          </a:bodyPr>
+          <a:lstStyle/>
+          <a:p>
+            <a:r>
+              <a:rPr lang="en-US" sz="3200"/>
+              <a:t>Modelo de negocio</a:t>
+            </a:r>
+          </a:p>
+        </p:txBody>
+      </p:sp>
+      <p:sp>
+        <p:nvSpPr>
+          <p:cNvPr id="36" name="Rectangle 35">
+            <a:extLst>
+              <a:ext uri="{FF2B5EF4-FFF2-40B4-BE49-F238E27FC236}">
+                <a16:creationId xmlns:a16="http://schemas.microsoft.com/office/drawing/2014/main" id="{698BC5BE-3558-4B92-867F-8CD65C7BEF4E}"/>
+              </a:ext>
+              <a:ext uri="{C183D7F6-B498-43B3-948B-1728B52AA6E4}">
+                <adec:decorative xmlns:adec="http://schemas.microsoft.com/office/drawing/2017/decorative" val="1"/>
+              </a:ext>
+            </a:extLst>
+          </p:cNvPr>
+          <p:cNvSpPr>
+            <a:spLocks noGrp="1" noRot="1" noChangeAspect="1" noMove="1" noResize="1" noEditPoints="1" noAdjustHandles="1" noChangeArrowheads="1" noChangeShapeType="1" noTextEdit="1"/>
+          </p:cNvSpPr>
+          <p:nvPr>
+            <p:extLst>
+              <p:ext uri="{386F3935-93C4-4BCD-93E2-E3B085C9AB24}">
+                <p16:designElem xmlns:p16="http://schemas.microsoft.com/office/powerpoint/2015/main" val="1"/>
+              </p:ext>
+            </p:extLst>
+          </p:nvPr>
+        </p:nvSpPr>
+        <p:spPr>
+          <a:xfrm>
+            <a:off x="5433113" y="0"/>
+            <a:ext cx="5948520" cy="6858000"/>
+          </a:xfrm>
+          <a:prstGeom prst="rect">
+            <a:avLst/>
+          </a:prstGeom>
+          <a:solidFill>
+            <a:schemeClr val="tx1"/>
+          </a:solidFill>
+          <a:ln>
+            <a:noFill/>
+          </a:ln>
+        </p:spPr>
+        <p:style>
+          <a:lnRef idx="2">
+            <a:schemeClr val="accent1">
+              <a:shade val="50000"/>
+            </a:schemeClr>
+          </a:lnRef>
+          <a:fillRef idx="1">
+            <a:schemeClr val="accent1"/>
+          </a:fillRef>
+          <a:effectRef idx="0">
+            <a:schemeClr val="accent1"/>
+          </a:effectRef>
+          <a:fontRef idx="minor">
+            <a:schemeClr val="lt1"/>
+          </a:fontRef>
+        </p:style>
+        <p:txBody>
+          <a:bodyPr rtlCol="0" anchor="ctr"/>
+          <a:lstStyle/>
+          <a:p>
+            <a:pPr algn="ctr"/>
+            <a:endParaRPr lang="en-US"/>
+          </a:p>
+        </p:txBody>
+      </p:sp>
+      <p:pic>
+        <p:nvPicPr>
+          <p:cNvPr id="5" name="Imagen 4">
+            <a:extLst>
+              <a:ext uri="{FF2B5EF4-FFF2-40B4-BE49-F238E27FC236}">
+                <a16:creationId xmlns:a16="http://schemas.microsoft.com/office/drawing/2014/main" id="{3FC6659C-D402-4A25-8E78-CD3C61BC40AE}"/>
+              </a:ext>
+            </a:extLst>
+          </p:cNvPr>
+          <p:cNvPicPr>
+            <a:picLocks noChangeAspect="1"/>
+          </p:cNvPicPr>
+          <p:nvPr/>
+        </p:nvPicPr>
+        <p:blipFill>
+          <a:blip r:embed="rId5"/>
+          <a:stretch>
+            <a:fillRect/>
+          </a:stretch>
+        </p:blipFill>
+        <p:spPr>
+          <a:xfrm>
+            <a:off x="5769658" y="1277385"/>
+            <a:ext cx="5284209" cy="4303229"/>
+          </a:xfrm>
+          <a:prstGeom prst="rect">
+            <a:avLst/>
+          </a:prstGeom>
+          <a:ln w="12700">
+            <a:noFill/>
+          </a:ln>
+        </p:spPr>
+      </p:pic>
+      <p:sp>
+        <p:nvSpPr>
+          <p:cNvPr id="38" name="Rectangle 37">
+            <a:extLst>
+              <a:ext uri="{FF2B5EF4-FFF2-40B4-BE49-F238E27FC236}">
+                <a16:creationId xmlns:a16="http://schemas.microsoft.com/office/drawing/2014/main" id="{F8C4208F-A711-4F9F-B74B-CA7E99A5BD09}"/>
+              </a:ext>
+              <a:ext uri="{C183D7F6-B498-43B3-948B-1728B52AA6E4}">
+                <adec:decorative xmlns:adec="http://schemas.microsoft.com/office/drawing/2017/decorative" val="1"/>
+              </a:ext>
+            </a:extLst>
+          </p:cNvPr>
+          <p:cNvSpPr>
+            <a:spLocks noGrp="1" noRot="1" noChangeAspect="1" noMove="1" noResize="1" noEditPoints="1" noAdjustHandles="1" noChangeArrowheads="1" noChangeShapeType="1" noTextEdit="1"/>
+          </p:cNvSpPr>
+          <p:nvPr>
+            <p:extLst>
+              <p:ext uri="{386F3935-93C4-4BCD-93E2-E3B085C9AB24}">
+                <p16:designElem xmlns:p16="http://schemas.microsoft.com/office/powerpoint/2015/main" val="1"/>
+              </p:ext>
+            </p:extLst>
+          </p:nvPr>
+        </p:nvSpPr>
+        <p:spPr>
+          <a:xfrm>
+            <a:off x="5687920" y="236475"/>
+            <a:ext cx="5439984" cy="6385049"/>
+          </a:xfrm>
+          <a:prstGeom prst="rect">
+            <a:avLst/>
+          </a:prstGeom>
+          <a:noFill/>
+          <a:ln w="9525">
+            <a:solidFill>
+              <a:schemeClr val="accent6">
+                <a:lumMod val="60000"/>
+                <a:lumOff val="40000"/>
+                <a:alpha val="80000"/>
+              </a:schemeClr>
+            </a:solidFill>
+          </a:ln>
+        </p:spPr>
+        <p:style>
+          <a:lnRef idx="2">
+            <a:schemeClr val="accent1">
+              <a:shade val="50000"/>
+            </a:schemeClr>
+          </a:lnRef>
+          <a:fillRef idx="1">
+            <a:schemeClr val="accent1"/>
+          </a:fillRef>
+          <a:effectRef idx="0">
+            <a:schemeClr val="accent1"/>
+          </a:effectRef>
+          <a:fontRef idx="minor">
+            <a:schemeClr val="lt1"/>
+          </a:fontRef>
+        </p:style>
+        <p:txBody>
+          <a:bodyPr rtlCol="0" anchor="ctr"/>
+          <a:lstStyle/>
+          <a:p>
+            <a:pPr algn="ctr"/>
+            <a:endParaRPr lang="en-US"/>
+          </a:p>
+        </p:txBody>
+      </p:sp>
+      <p:sp>
+        <p:nvSpPr>
+          <p:cNvPr id="40" name="Rectangle 39">
+            <a:extLst>
+              <a:ext uri="{FF2B5EF4-FFF2-40B4-BE49-F238E27FC236}">
+                <a16:creationId xmlns:a16="http://schemas.microsoft.com/office/drawing/2014/main" id="{4A542E5A-150E-4078-B605-939EE9F3F9DC}"/>
+              </a:ext>
+              <a:ext uri="{C183D7F6-B498-43B3-948B-1728B52AA6E4}">
+                <adec:decorative xmlns:adec="http://schemas.microsoft.com/office/drawing/2017/decorative" val="1"/>
+              </a:ext>
+            </a:extLst>
+          </p:cNvPr>
+          <p:cNvSpPr>
+            <a:spLocks noGrp="1" noRot="1" noChangeAspect="1" noMove="1" noResize="1" noEditPoints="1" noAdjustHandles="1" noChangeArrowheads="1" noChangeShapeType="1" noTextEdit="1"/>
+          </p:cNvSpPr>
+          <p:nvPr>
+            <p:extLst>
+              <p:ext uri="{386F3935-93C4-4BCD-93E2-E3B085C9AB24}">
+                <p16:designElem xmlns:p16="http://schemas.microsoft.com/office/powerpoint/2015/main" val="1"/>
+              </p:ext>
+            </p:extLst>
+          </p:nvPr>
+        </p:nvSpPr>
+        <p:spPr>
+          <a:xfrm>
+            <a:off x="11387666" y="-2718"/>
+            <a:ext cx="27432" cy="6858000"/>
+          </a:xfrm>
+          <a:prstGeom prst="rect">
+            <a:avLst/>
+          </a:prstGeom>
+          <a:solidFill>
+            <a:schemeClr val="accent6"/>
+          </a:solidFill>
+          <a:ln>
+            <a:noFill/>
+          </a:ln>
+        </p:spPr>
+        <p:style>
+          <a:lnRef idx="2">
+            <a:schemeClr val="accent1">
+              <a:shade val="50000"/>
+            </a:schemeClr>
+          </a:lnRef>
+          <a:fillRef idx="1">
+            <a:schemeClr val="accent1"/>
+          </a:fillRef>
+          <a:effectRef idx="0">
+            <a:schemeClr val="accent1"/>
+          </a:effectRef>
+          <a:fontRef idx="minor">
+            <a:schemeClr val="lt1"/>
+          </a:fontRef>
+        </p:style>
+        <p:txBody>
+          <a:bodyPr rtlCol="0" anchor="ctr"/>
+          <a:lstStyle/>
+          <a:p>
+            <a:pPr algn="ctr"/>
+            <a:endParaRPr lang="en-US"/>
+          </a:p>
+        </p:txBody>
+      </p:sp>
+    </p:spTree>
+    <p:extLst>
+      <p:ext uri="{BB962C8B-B14F-4D97-AF65-F5344CB8AC3E}">
+        <p14:creationId xmlns:p14="http://schemas.microsoft.com/office/powerpoint/2010/main" val="16952485"/>
+      </p:ext>
+    </p:extLst>
+  </p:cSld>
+  <p:clrMapOvr>
+    <a:masterClrMapping/>
+  </p:clrMapOvr>
+</p:sld>
+</file>
+
+<file path=ppt/slides/slide6.xml><?xml version="1.0" encoding="utf-8"?>
+<p:sld xmlns:a="http://schemas.openxmlformats.org/drawingml/2006/main" xmlns:r="http://schemas.openxmlformats.org/officeDocument/2006/relationships" xmlns:p="http://schemas.openxmlformats.org/presentationml/2006/main">
+  <p:cSld>
+    <p:spTree>
+      <p:nvGrpSpPr>
+        <p:cNvPr id="1" name=""/>
+        <p:cNvGrpSpPr/>
+        <p:nvPr/>
+      </p:nvGrpSpPr>
+      <p:grpSpPr>
+        <a:xfrm>
+          <a:off x="0" y="0"/>
+          <a:ext cx="0" cy="0"/>
+          <a:chOff x="0" y="0"/>
+          <a:chExt cx="0" cy="0"/>
+        </a:xfrm>
+      </p:grpSpPr>
+      <p:sp>
+        <p:nvSpPr>
+          <p:cNvPr id="2" name="Título 1">
+            <a:extLst>
+              <a:ext uri="{FF2B5EF4-FFF2-40B4-BE49-F238E27FC236}">
                 <a16:creationId xmlns:a16="http://schemas.microsoft.com/office/drawing/2014/main" id="{81D24BD8-6737-4A2E-B7C2-12ADD46AC2C5}"/>
               </a:ext>
             </a:extLst>
@@ -5196,7 +6416,7 @@
 </p:sld>
 </file>
 
-<file path=ppt/slides/slide5.xml><?xml version="1.0" encoding="utf-8"?>
+<file path=ppt/slides/slide7.xml><?xml version="1.0" encoding="utf-8"?>
 <p:sld xmlns:a="http://schemas.openxmlformats.org/drawingml/2006/main" xmlns:r="http://schemas.openxmlformats.org/officeDocument/2006/relationships" xmlns:p="http://schemas.openxmlformats.org/presentationml/2006/main">
   <p:cSld>
     <p:spTree>
@@ -5291,7 +6511,7 @@
 </p:sld>
 </file>
 
-<file path=ppt/slides/slide6.xml><?xml version="1.0" encoding="utf-8"?>
+<file path=ppt/slides/slide8.xml><?xml version="1.0" encoding="utf-8"?>
 <p:sld xmlns:a="http://schemas.openxmlformats.org/drawingml/2006/main" xmlns:r="http://schemas.openxmlformats.org/officeDocument/2006/relationships" xmlns:p="http://schemas.openxmlformats.org/presentationml/2006/main">
   <p:cSld>
     <p:spTree>
@@ -5386,7 +6606,7 @@
 </p:sld>
 </file>
 
-<file path=ppt/slides/slide7.xml><?xml version="1.0" encoding="utf-8"?>
+<file path=ppt/slides/slide9.xml><?xml version="1.0" encoding="utf-8"?>
 <p:sld xmlns:a="http://schemas.openxmlformats.org/drawingml/2006/main" xmlns:r="http://schemas.openxmlformats.org/officeDocument/2006/relationships" xmlns:p="http://schemas.openxmlformats.org/presentationml/2006/main">
   <p:cSld>
     <p:spTree>
@@ -6525,6 +7745,21 @@
 </file>
 
 <file path=customXml/item1.xml><?xml version="1.0" encoding="utf-8"?>
+<p:properties xmlns:p="http://schemas.microsoft.com/office/2006/metadata/properties" xmlns:xsi="http://www.w3.org/2001/XMLSchema-instance" xmlns:pc="http://schemas.microsoft.com/office/infopath/2007/PartnerControls">
+  <documentManagement/>
+</p:properties>
+</file>
+
+<file path=customXml/item2.xml><?xml version="1.0" encoding="utf-8"?>
+<?mso-contentType ?>
+<FormTemplates xmlns="http://schemas.microsoft.com/sharepoint/v3/contenttype/forms">
+  <Display>DocumentLibraryForm</Display>
+  <Edit>DocumentLibraryForm</Edit>
+  <New>DocumentLibraryForm</New>
+</FormTemplates>
+</file>
+
+<file path=customXml/item3.xml><?xml version="1.0" encoding="utf-8"?>
 <ct:contentTypeSchema xmlns:ct="http://schemas.microsoft.com/office/2006/metadata/contentType" xmlns:ma="http://schemas.microsoft.com/office/2006/metadata/properties/metaAttributes" ct:_="" ma:_="" ma:contentTypeName="Documento" ma:contentTypeID="0x010100A03955257C6637499CC07212AB7F3C20" ma:contentTypeVersion="14" ma:contentTypeDescription="Crear nuevo documento." ma:contentTypeScope="" ma:versionID="dbfe566179a1681a8360f1eee4a4f00f">
   <xsd:schema xmlns:xsd="http://www.w3.org/2001/XMLSchema" xmlns:xs="http://www.w3.org/2001/XMLSchema" xmlns:p="http://schemas.microsoft.com/office/2006/metadata/properties" xmlns:ns3="faa6a627-4d64-4d2b-805c-809478f8866c" xmlns:ns4="fcd4f001-1b8d-4854-9f70-4587f028148a" targetNamespace="http://schemas.microsoft.com/office/2006/metadata/properties" ma:root="true" ma:fieldsID="79d481b6d138b284469c548a13fe16d6" ns3:_="" ns4:_="">
     <xsd:import namespace="faa6a627-4d64-4d2b-805c-809478f8866c"/>
@@ -6753,22 +7988,32 @@
 </ct:contentTypeSchema>
 </file>
 
-<file path=customXml/item2.xml><?xml version="1.0" encoding="utf-8"?>
-<?mso-contentType ?>
-<FormTemplates xmlns="http://schemas.microsoft.com/sharepoint/v3/contenttype/forms">
-  <Display>DocumentLibraryForm</Display>
-  <Edit>DocumentLibraryForm</Edit>
-  <New>DocumentLibraryForm</New>
-</FormTemplates>
+<file path=customXml/itemProps1.xml><?xml version="1.0" encoding="utf-8"?>
+<ds:datastoreItem xmlns:ds="http://schemas.openxmlformats.org/officeDocument/2006/customXml" ds:itemID="{07676D8A-D944-43EA-B904-3B4A21AF947E}">
+  <ds:schemaRefs>
+    <ds:schemaRef ds:uri="http://schemas.microsoft.com/office/2006/metadata/properties"/>
+    <ds:schemaRef ds:uri="http://schemas.microsoft.com/office/2006/documentManagement/types"/>
+    <ds:schemaRef ds:uri="fcd4f001-1b8d-4854-9f70-4587f028148a"/>
+    <ds:schemaRef ds:uri="http://schemas.openxmlformats.org/package/2006/metadata/core-properties"/>
+    <ds:schemaRef ds:uri="http://purl.org/dc/terms/"/>
+    <ds:schemaRef ds:uri="http://schemas.microsoft.com/office/infopath/2007/PartnerControls"/>
+    <ds:schemaRef ds:uri="faa6a627-4d64-4d2b-805c-809478f8866c"/>
+    <ds:schemaRef ds:uri="http://www.w3.org/XML/1998/namespace"/>
+    <ds:schemaRef ds:uri="http://purl.org/dc/dcmitype/"/>
+    <ds:schemaRef ds:uri="http://purl.org/dc/elements/1.1/"/>
+  </ds:schemaRefs>
+</ds:datastoreItem>
 </file>
 
-<file path=customXml/item3.xml><?xml version="1.0" encoding="utf-8"?>
-<p:properties xmlns:p="http://schemas.microsoft.com/office/2006/metadata/properties" xmlns:xsi="http://www.w3.org/2001/XMLSchema-instance" xmlns:pc="http://schemas.microsoft.com/office/infopath/2007/PartnerControls">
-  <documentManagement/>
-</p:properties>
+<file path=customXml/itemProps2.xml><?xml version="1.0" encoding="utf-8"?>
+<ds:datastoreItem xmlns:ds="http://schemas.openxmlformats.org/officeDocument/2006/customXml" ds:itemID="{2CC0DE83-0C60-4D9E-ABD7-02544F5885B8}">
+  <ds:schemaRefs>
+    <ds:schemaRef ds:uri="http://schemas.microsoft.com/sharepoint/v3/contenttype/forms"/>
+  </ds:schemaRefs>
+</ds:datastoreItem>
 </file>
 
-<file path=customXml/itemProps1.xml><?xml version="1.0" encoding="utf-8"?>
+<file path=customXml/itemProps3.xml><?xml version="1.0" encoding="utf-8"?>
 <ds:datastoreItem xmlns:ds="http://schemas.openxmlformats.org/officeDocument/2006/customXml" ds:itemID="{5A21B234-B554-4D6E-9CF0-9179985F41FE}">
   <ds:schemaRefs>
     <ds:schemaRef ds:uri="faa6a627-4d64-4d2b-805c-809478f8866c"/>
@@ -6785,29 +8030,4 @@
     <ds:schemaRef ds:uri="http://www.w3.org/2001/XMLSchema"/>
   </ds:schemaRefs>
 </ds:datastoreItem>
-</file>
-
-<file path=customXml/itemProps2.xml><?xml version="1.0" encoding="utf-8"?>
-<ds:datastoreItem xmlns:ds="http://schemas.openxmlformats.org/officeDocument/2006/customXml" ds:itemID="{2CC0DE83-0C60-4D9E-ABD7-02544F5885B8}">
-  <ds:schemaRefs>
-    <ds:schemaRef ds:uri="http://schemas.microsoft.com/sharepoint/v3/contenttype/forms"/>
-  </ds:schemaRefs>
-</ds:datastoreItem>
-</file>
-
-<file path=customXml/itemProps3.xml><?xml version="1.0" encoding="utf-8"?>
-<ds:datastoreItem xmlns:ds="http://schemas.openxmlformats.org/officeDocument/2006/customXml" ds:itemID="{07676D8A-D944-43EA-B904-3B4A21AF947E}">
-  <ds:schemaRefs>
-    <ds:schemaRef ds:uri="http://purl.org/dc/terms/"/>
-    <ds:schemaRef ds:uri="http://www.w3.org/XML/1998/namespace"/>
-    <ds:schemaRef ds:uri="http://schemas.microsoft.com/office/2006/metadata/properties"/>
-    <ds:schemaRef ds:uri="http://schemas.openxmlformats.org/package/2006/metadata/core-properties"/>
-    <ds:schemaRef ds:uri="faa6a627-4d64-4d2b-805c-809478f8866c"/>
-    <ds:schemaRef ds:uri="http://purl.org/dc/elements/1.1/"/>
-    <ds:schemaRef ds:uri="http://schemas.microsoft.com/office/2006/documentManagement/types"/>
-    <ds:schemaRef ds:uri="http://schemas.microsoft.com/office/infopath/2007/PartnerControls"/>
-    <ds:schemaRef ds:uri="fcd4f001-1b8d-4854-9f70-4587f028148a"/>
-    <ds:schemaRef ds:uri="http://purl.org/dc/dcmitype/"/>
-  </ds:schemaRefs>
-</ds:datastoreItem>
 </file>